--- a/포워드워_최치송_김형재_이소민.pptx
+++ b/포워드워_최치송_김형재_이소민.pptx
@@ -5,7 +5,7 @@
     <p:sldMasterId id="2147483660" r:id="rId1"/>
   </p:sldMasterIdLst>
   <p:notesMasterIdLst>
-    <p:notesMasterId r:id="rId10"/>
+    <p:notesMasterId r:id="rId9"/>
   </p:notesMasterIdLst>
   <p:sldIdLst>
     <p:sldId id="257" r:id="rId2"/>
@@ -15,7 +15,6 @@
     <p:sldId id="274" r:id="rId6"/>
     <p:sldId id="280" r:id="rId7"/>
     <p:sldId id="284" r:id="rId8"/>
-    <p:sldId id="285" r:id="rId9"/>
   </p:sldIdLst>
   <p:sldSz cx="12192000" cy="6858000"/>
   <p:notesSz cx="6858000" cy="9144000"/>
@@ -116,7 +115,7 @@
   </p:defaultTextStyle>
   <p:extLst>
     <p:ext uri="{EFAFB233-063F-42B5-8137-9DF3F51BA10A}">
-      <p15:sldGuideLst xmlns="" xmlns:p15="http://schemas.microsoft.com/office/powerpoint/2012/main"/>
+      <p15:sldGuideLst xmlns:p15="http://schemas.microsoft.com/office/powerpoint/2012/main" xmlns=""/>
     </p:ext>
   </p:extLst>
 </p:presentation>
@@ -1783,7 +1782,7 @@
           <p:cNvPr id="2" name="제목 1">
             <a:extLst>
               <a:ext uri="{FF2B5EF4-FFF2-40B4-BE49-F238E27FC236}">
-                <a16:creationId xmlns="" xmlns:a16="http://schemas.microsoft.com/office/drawing/2014/main" id="{22112318-F619-4488-8B6E-2F5F2426A69A}"/>
+                <a16:creationId xmlns:a16="http://schemas.microsoft.com/office/drawing/2014/main" xmlns="" id="{22112318-F619-4488-8B6E-2F5F2426A69A}"/>
               </a:ext>
             </a:extLst>
           </p:cNvPr>
@@ -1820,7 +1819,7 @@
           <p:cNvPr id="3" name="부제목 2">
             <a:extLst>
               <a:ext uri="{FF2B5EF4-FFF2-40B4-BE49-F238E27FC236}">
-                <a16:creationId xmlns="" xmlns:a16="http://schemas.microsoft.com/office/drawing/2014/main" id="{E8BEE6BB-9A5F-4E9F-9F1C-6D46BE01A313}"/>
+                <a16:creationId xmlns:a16="http://schemas.microsoft.com/office/drawing/2014/main" xmlns="" id="{E8BEE6BB-9A5F-4E9F-9F1C-6D46BE01A313}"/>
               </a:ext>
             </a:extLst>
           </p:cNvPr>
@@ -1890,7 +1889,7 @@
           <p:cNvPr id="4" name="날짜 개체 틀 3">
             <a:extLst>
               <a:ext uri="{FF2B5EF4-FFF2-40B4-BE49-F238E27FC236}">
-                <a16:creationId xmlns="" xmlns:a16="http://schemas.microsoft.com/office/drawing/2014/main" id="{D2D9A51D-A948-4CB8-A9EB-5A26520C8EF0}"/>
+                <a16:creationId xmlns:a16="http://schemas.microsoft.com/office/drawing/2014/main" xmlns="" id="{D2D9A51D-A948-4CB8-A9EB-5A26520C8EF0}"/>
               </a:ext>
             </a:extLst>
           </p:cNvPr>
@@ -1931,7 +1930,7 @@
           <p:cNvPr id="5" name="바닥글 개체 틀 4">
             <a:extLst>
               <a:ext uri="{FF2B5EF4-FFF2-40B4-BE49-F238E27FC236}">
-                <a16:creationId xmlns="" xmlns:a16="http://schemas.microsoft.com/office/drawing/2014/main" id="{84374BBD-0B82-4658-B13D-088F0E4D078E}"/>
+                <a16:creationId xmlns:a16="http://schemas.microsoft.com/office/drawing/2014/main" xmlns="" id="{84374BBD-0B82-4658-B13D-088F0E4D078E}"/>
               </a:ext>
             </a:extLst>
           </p:cNvPr>
@@ -1962,7 +1961,7 @@
           <p:cNvPr id="6" name="슬라이드 번호 개체 틀 5">
             <a:extLst>
               <a:ext uri="{FF2B5EF4-FFF2-40B4-BE49-F238E27FC236}">
-                <a16:creationId xmlns="" xmlns:a16="http://schemas.microsoft.com/office/drawing/2014/main" id="{AB1AAA67-696A-4836-A10B-FF164C3AF889}"/>
+                <a16:creationId xmlns:a16="http://schemas.microsoft.com/office/drawing/2014/main" xmlns="" id="{AB1AAA67-696A-4836-A10B-FF164C3AF889}"/>
               </a:ext>
             </a:extLst>
           </p:cNvPr>
@@ -2034,7 +2033,7 @@
           <p:cNvPr id="2" name="제목 1">
             <a:extLst>
               <a:ext uri="{FF2B5EF4-FFF2-40B4-BE49-F238E27FC236}">
-                <a16:creationId xmlns="" xmlns:a16="http://schemas.microsoft.com/office/drawing/2014/main" id="{3C43AEE1-28CA-46D2-81F5-CD34E4F9E583}"/>
+                <a16:creationId xmlns:a16="http://schemas.microsoft.com/office/drawing/2014/main" xmlns="" id="{3C43AEE1-28CA-46D2-81F5-CD34E4F9E583}"/>
               </a:ext>
             </a:extLst>
           </p:cNvPr>
@@ -2062,7 +2061,7 @@
           <p:cNvPr id="3" name="세로 텍스트 개체 틀 2">
             <a:extLst>
               <a:ext uri="{FF2B5EF4-FFF2-40B4-BE49-F238E27FC236}">
-                <a16:creationId xmlns="" xmlns:a16="http://schemas.microsoft.com/office/drawing/2014/main" id="{C738FEC2-4BF0-4A45-9297-EE9B2E45E5CC}"/>
+                <a16:creationId xmlns:a16="http://schemas.microsoft.com/office/drawing/2014/main" xmlns="" id="{C738FEC2-4BF0-4A45-9297-EE9B2E45E5CC}"/>
               </a:ext>
             </a:extLst>
           </p:cNvPr>
@@ -2119,7 +2118,7 @@
           <p:cNvPr id="4" name="날짜 개체 틀 3">
             <a:extLst>
               <a:ext uri="{FF2B5EF4-FFF2-40B4-BE49-F238E27FC236}">
-                <a16:creationId xmlns="" xmlns:a16="http://schemas.microsoft.com/office/drawing/2014/main" id="{2BEDBAD0-D342-4544-94B8-122B3BDBF705}"/>
+                <a16:creationId xmlns:a16="http://schemas.microsoft.com/office/drawing/2014/main" xmlns="" id="{2BEDBAD0-D342-4544-94B8-122B3BDBF705}"/>
               </a:ext>
             </a:extLst>
           </p:cNvPr>
@@ -2160,7 +2159,7 @@
           <p:cNvPr id="5" name="바닥글 개체 틀 4">
             <a:extLst>
               <a:ext uri="{FF2B5EF4-FFF2-40B4-BE49-F238E27FC236}">
-                <a16:creationId xmlns="" xmlns:a16="http://schemas.microsoft.com/office/drawing/2014/main" id="{1D70FE0D-ACBA-4806-9F35-4EB786E865FE}"/>
+                <a16:creationId xmlns:a16="http://schemas.microsoft.com/office/drawing/2014/main" xmlns="" id="{1D70FE0D-ACBA-4806-9F35-4EB786E865FE}"/>
               </a:ext>
             </a:extLst>
           </p:cNvPr>
@@ -2191,7 +2190,7 @@
           <p:cNvPr id="6" name="슬라이드 번호 개체 틀 5">
             <a:extLst>
               <a:ext uri="{FF2B5EF4-FFF2-40B4-BE49-F238E27FC236}">
-                <a16:creationId xmlns="" xmlns:a16="http://schemas.microsoft.com/office/drawing/2014/main" id="{A7F3119A-4AE1-408F-B8AD-4428B0060B24}"/>
+                <a16:creationId xmlns:a16="http://schemas.microsoft.com/office/drawing/2014/main" xmlns="" id="{A7F3119A-4AE1-408F-B8AD-4428B0060B24}"/>
               </a:ext>
             </a:extLst>
           </p:cNvPr>
@@ -2263,7 +2262,7 @@
           <p:cNvPr id="2" name="세로 제목 1">
             <a:extLst>
               <a:ext uri="{FF2B5EF4-FFF2-40B4-BE49-F238E27FC236}">
-                <a16:creationId xmlns="" xmlns:a16="http://schemas.microsoft.com/office/drawing/2014/main" id="{F0B3D2AB-E650-41C2-B6FB-5398A5C19680}"/>
+                <a16:creationId xmlns:a16="http://schemas.microsoft.com/office/drawing/2014/main" xmlns="" id="{F0B3D2AB-E650-41C2-B6FB-5398A5C19680}"/>
               </a:ext>
             </a:extLst>
           </p:cNvPr>
@@ -2296,7 +2295,7 @@
           <p:cNvPr id="3" name="세로 텍스트 개체 틀 2">
             <a:extLst>
               <a:ext uri="{FF2B5EF4-FFF2-40B4-BE49-F238E27FC236}">
-                <a16:creationId xmlns="" xmlns:a16="http://schemas.microsoft.com/office/drawing/2014/main" id="{992D6516-8F93-4221-97F7-E01D89EE517D}"/>
+                <a16:creationId xmlns:a16="http://schemas.microsoft.com/office/drawing/2014/main" xmlns="" id="{992D6516-8F93-4221-97F7-E01D89EE517D}"/>
               </a:ext>
             </a:extLst>
           </p:cNvPr>
@@ -2358,7 +2357,7 @@
           <p:cNvPr id="4" name="날짜 개체 틀 3">
             <a:extLst>
               <a:ext uri="{FF2B5EF4-FFF2-40B4-BE49-F238E27FC236}">
-                <a16:creationId xmlns="" xmlns:a16="http://schemas.microsoft.com/office/drawing/2014/main" id="{8D86CB26-A349-496A-B48B-A7B891172236}"/>
+                <a16:creationId xmlns:a16="http://schemas.microsoft.com/office/drawing/2014/main" xmlns="" id="{8D86CB26-A349-496A-B48B-A7B891172236}"/>
               </a:ext>
             </a:extLst>
           </p:cNvPr>
@@ -2399,7 +2398,7 @@
           <p:cNvPr id="5" name="바닥글 개체 틀 4">
             <a:extLst>
               <a:ext uri="{FF2B5EF4-FFF2-40B4-BE49-F238E27FC236}">
-                <a16:creationId xmlns="" xmlns:a16="http://schemas.microsoft.com/office/drawing/2014/main" id="{C2E726FD-A739-41D5-96BA-4670363928CF}"/>
+                <a16:creationId xmlns:a16="http://schemas.microsoft.com/office/drawing/2014/main" xmlns="" id="{C2E726FD-A739-41D5-96BA-4670363928CF}"/>
               </a:ext>
             </a:extLst>
           </p:cNvPr>
@@ -2430,7 +2429,7 @@
           <p:cNvPr id="6" name="슬라이드 번호 개체 틀 5">
             <a:extLst>
               <a:ext uri="{FF2B5EF4-FFF2-40B4-BE49-F238E27FC236}">
-                <a16:creationId xmlns="" xmlns:a16="http://schemas.microsoft.com/office/drawing/2014/main" id="{60FAE18D-FED5-4070-8B76-811D76CCECC9}"/>
+                <a16:creationId xmlns:a16="http://schemas.microsoft.com/office/drawing/2014/main" xmlns="" id="{60FAE18D-FED5-4070-8B76-811D76CCECC9}"/>
               </a:ext>
             </a:extLst>
           </p:cNvPr>
@@ -2502,7 +2501,7 @@
           <p:cNvPr id="2" name="제목 1">
             <a:extLst>
               <a:ext uri="{FF2B5EF4-FFF2-40B4-BE49-F238E27FC236}">
-                <a16:creationId xmlns="" xmlns:a16="http://schemas.microsoft.com/office/drawing/2014/main" id="{5CC6958D-28E5-4CC8-8C48-52A02A1BC426}"/>
+                <a16:creationId xmlns:a16="http://schemas.microsoft.com/office/drawing/2014/main" xmlns="" id="{5CC6958D-28E5-4CC8-8C48-52A02A1BC426}"/>
               </a:ext>
             </a:extLst>
           </p:cNvPr>
@@ -2530,7 +2529,7 @@
           <p:cNvPr id="3" name="내용 개체 틀 2">
             <a:extLst>
               <a:ext uri="{FF2B5EF4-FFF2-40B4-BE49-F238E27FC236}">
-                <a16:creationId xmlns="" xmlns:a16="http://schemas.microsoft.com/office/drawing/2014/main" id="{E8E03031-827B-4AC7-B564-384C16177476}"/>
+                <a16:creationId xmlns:a16="http://schemas.microsoft.com/office/drawing/2014/main" xmlns="" id="{E8E03031-827B-4AC7-B564-384C16177476}"/>
               </a:ext>
             </a:extLst>
           </p:cNvPr>
@@ -2587,7 +2586,7 @@
           <p:cNvPr id="4" name="날짜 개체 틀 3">
             <a:extLst>
               <a:ext uri="{FF2B5EF4-FFF2-40B4-BE49-F238E27FC236}">
-                <a16:creationId xmlns="" xmlns:a16="http://schemas.microsoft.com/office/drawing/2014/main" id="{11C19838-69C9-49EB-9B51-549106E9B8DE}"/>
+                <a16:creationId xmlns:a16="http://schemas.microsoft.com/office/drawing/2014/main" xmlns="" id="{11C19838-69C9-49EB-9B51-549106E9B8DE}"/>
               </a:ext>
             </a:extLst>
           </p:cNvPr>
@@ -2628,7 +2627,7 @@
           <p:cNvPr id="5" name="바닥글 개체 틀 4">
             <a:extLst>
               <a:ext uri="{FF2B5EF4-FFF2-40B4-BE49-F238E27FC236}">
-                <a16:creationId xmlns="" xmlns:a16="http://schemas.microsoft.com/office/drawing/2014/main" id="{3C26852C-90C9-4502-A697-363CF824CFD0}"/>
+                <a16:creationId xmlns:a16="http://schemas.microsoft.com/office/drawing/2014/main" xmlns="" id="{3C26852C-90C9-4502-A697-363CF824CFD0}"/>
               </a:ext>
             </a:extLst>
           </p:cNvPr>
@@ -2659,7 +2658,7 @@
           <p:cNvPr id="6" name="슬라이드 번호 개체 틀 5">
             <a:extLst>
               <a:ext uri="{FF2B5EF4-FFF2-40B4-BE49-F238E27FC236}">
-                <a16:creationId xmlns="" xmlns:a16="http://schemas.microsoft.com/office/drawing/2014/main" id="{DF7509D0-CCBD-406A-9D4E-6845657BBAED}"/>
+                <a16:creationId xmlns:a16="http://schemas.microsoft.com/office/drawing/2014/main" xmlns="" id="{DF7509D0-CCBD-406A-9D4E-6845657BBAED}"/>
               </a:ext>
             </a:extLst>
           </p:cNvPr>
@@ -2731,7 +2730,7 @@
           <p:cNvPr id="2" name="제목 1">
             <a:extLst>
               <a:ext uri="{FF2B5EF4-FFF2-40B4-BE49-F238E27FC236}">
-                <a16:creationId xmlns="" xmlns:a16="http://schemas.microsoft.com/office/drawing/2014/main" id="{6CEF73EF-188B-4B17-B08F-D30E80C308D0}"/>
+                <a16:creationId xmlns:a16="http://schemas.microsoft.com/office/drawing/2014/main" xmlns="" id="{6CEF73EF-188B-4B17-B08F-D30E80C308D0}"/>
               </a:ext>
             </a:extLst>
           </p:cNvPr>
@@ -2768,7 +2767,7 @@
           <p:cNvPr id="3" name="텍스트 개체 틀 2">
             <a:extLst>
               <a:ext uri="{FF2B5EF4-FFF2-40B4-BE49-F238E27FC236}">
-                <a16:creationId xmlns="" xmlns:a16="http://schemas.microsoft.com/office/drawing/2014/main" id="{DD7DD2CA-F9BF-47A8-9D27-757556FD1CEE}"/>
+                <a16:creationId xmlns:a16="http://schemas.microsoft.com/office/drawing/2014/main" xmlns="" id="{DD7DD2CA-F9BF-47A8-9D27-757556FD1CEE}"/>
               </a:ext>
             </a:extLst>
           </p:cNvPr>
@@ -2893,7 +2892,7 @@
           <p:cNvPr id="4" name="날짜 개체 틀 3">
             <a:extLst>
               <a:ext uri="{FF2B5EF4-FFF2-40B4-BE49-F238E27FC236}">
-                <a16:creationId xmlns="" xmlns:a16="http://schemas.microsoft.com/office/drawing/2014/main" id="{DE78A1FB-ABBF-480D-AC6C-9BB1AEF9789B}"/>
+                <a16:creationId xmlns:a16="http://schemas.microsoft.com/office/drawing/2014/main" xmlns="" id="{DE78A1FB-ABBF-480D-AC6C-9BB1AEF9789B}"/>
               </a:ext>
             </a:extLst>
           </p:cNvPr>
@@ -2934,7 +2933,7 @@
           <p:cNvPr id="5" name="바닥글 개체 틀 4">
             <a:extLst>
               <a:ext uri="{FF2B5EF4-FFF2-40B4-BE49-F238E27FC236}">
-                <a16:creationId xmlns="" xmlns:a16="http://schemas.microsoft.com/office/drawing/2014/main" id="{6384247E-1D11-4A19-BDDF-E157A205B45F}"/>
+                <a16:creationId xmlns:a16="http://schemas.microsoft.com/office/drawing/2014/main" xmlns="" id="{6384247E-1D11-4A19-BDDF-E157A205B45F}"/>
               </a:ext>
             </a:extLst>
           </p:cNvPr>
@@ -2965,7 +2964,7 @@
           <p:cNvPr id="6" name="슬라이드 번호 개체 틀 5">
             <a:extLst>
               <a:ext uri="{FF2B5EF4-FFF2-40B4-BE49-F238E27FC236}">
-                <a16:creationId xmlns="" xmlns:a16="http://schemas.microsoft.com/office/drawing/2014/main" id="{124EC815-B6FC-4BDE-910C-F8015ED4AD75}"/>
+                <a16:creationId xmlns:a16="http://schemas.microsoft.com/office/drawing/2014/main" xmlns="" id="{124EC815-B6FC-4BDE-910C-F8015ED4AD75}"/>
               </a:ext>
             </a:extLst>
           </p:cNvPr>
@@ -3037,7 +3036,7 @@
           <p:cNvPr id="2" name="제목 1">
             <a:extLst>
               <a:ext uri="{FF2B5EF4-FFF2-40B4-BE49-F238E27FC236}">
-                <a16:creationId xmlns="" xmlns:a16="http://schemas.microsoft.com/office/drawing/2014/main" id="{B4DAEB91-29AA-4ACC-BDCF-960470FCA5A1}"/>
+                <a16:creationId xmlns:a16="http://schemas.microsoft.com/office/drawing/2014/main" xmlns="" id="{B4DAEB91-29AA-4ACC-BDCF-960470FCA5A1}"/>
               </a:ext>
             </a:extLst>
           </p:cNvPr>
@@ -3065,7 +3064,7 @@
           <p:cNvPr id="3" name="내용 개체 틀 2">
             <a:extLst>
               <a:ext uri="{FF2B5EF4-FFF2-40B4-BE49-F238E27FC236}">
-                <a16:creationId xmlns="" xmlns:a16="http://schemas.microsoft.com/office/drawing/2014/main" id="{256B0E51-7DC0-45B6-8306-D8167F5CB7C8}"/>
+                <a16:creationId xmlns:a16="http://schemas.microsoft.com/office/drawing/2014/main" xmlns="" id="{256B0E51-7DC0-45B6-8306-D8167F5CB7C8}"/>
               </a:ext>
             </a:extLst>
           </p:cNvPr>
@@ -3127,7 +3126,7 @@
           <p:cNvPr id="4" name="내용 개체 틀 3">
             <a:extLst>
               <a:ext uri="{FF2B5EF4-FFF2-40B4-BE49-F238E27FC236}">
-                <a16:creationId xmlns="" xmlns:a16="http://schemas.microsoft.com/office/drawing/2014/main" id="{F7CB78CC-8798-4261-B4B1-60B4C54377A7}"/>
+                <a16:creationId xmlns:a16="http://schemas.microsoft.com/office/drawing/2014/main" xmlns="" id="{F7CB78CC-8798-4261-B4B1-60B4C54377A7}"/>
               </a:ext>
             </a:extLst>
           </p:cNvPr>
@@ -3189,7 +3188,7 @@
           <p:cNvPr id="5" name="날짜 개체 틀 4">
             <a:extLst>
               <a:ext uri="{FF2B5EF4-FFF2-40B4-BE49-F238E27FC236}">
-                <a16:creationId xmlns="" xmlns:a16="http://schemas.microsoft.com/office/drawing/2014/main" id="{79594384-5734-4FC8-928A-E1641354A126}"/>
+                <a16:creationId xmlns:a16="http://schemas.microsoft.com/office/drawing/2014/main" xmlns="" id="{79594384-5734-4FC8-928A-E1641354A126}"/>
               </a:ext>
             </a:extLst>
           </p:cNvPr>
@@ -3230,7 +3229,7 @@
           <p:cNvPr id="6" name="바닥글 개체 틀 5">
             <a:extLst>
               <a:ext uri="{FF2B5EF4-FFF2-40B4-BE49-F238E27FC236}">
-                <a16:creationId xmlns="" xmlns:a16="http://schemas.microsoft.com/office/drawing/2014/main" id="{282301C0-6908-48C0-8957-C8B3F4594C5A}"/>
+                <a16:creationId xmlns:a16="http://schemas.microsoft.com/office/drawing/2014/main" xmlns="" id="{282301C0-6908-48C0-8957-C8B3F4594C5A}"/>
               </a:ext>
             </a:extLst>
           </p:cNvPr>
@@ -3261,7 +3260,7 @@
           <p:cNvPr id="7" name="슬라이드 번호 개체 틀 6">
             <a:extLst>
               <a:ext uri="{FF2B5EF4-FFF2-40B4-BE49-F238E27FC236}">
-                <a16:creationId xmlns="" xmlns:a16="http://schemas.microsoft.com/office/drawing/2014/main" id="{507DD8FE-7741-412F-947D-7A7079F48607}"/>
+                <a16:creationId xmlns:a16="http://schemas.microsoft.com/office/drawing/2014/main" xmlns="" id="{507DD8FE-7741-412F-947D-7A7079F48607}"/>
               </a:ext>
             </a:extLst>
           </p:cNvPr>
@@ -3333,7 +3332,7 @@
           <p:cNvPr id="2" name="제목 1">
             <a:extLst>
               <a:ext uri="{FF2B5EF4-FFF2-40B4-BE49-F238E27FC236}">
-                <a16:creationId xmlns="" xmlns:a16="http://schemas.microsoft.com/office/drawing/2014/main" id="{BBD6DFD1-B640-4CC6-A759-6C7981C5CD61}"/>
+                <a16:creationId xmlns:a16="http://schemas.microsoft.com/office/drawing/2014/main" xmlns="" id="{BBD6DFD1-B640-4CC6-A759-6C7981C5CD61}"/>
               </a:ext>
             </a:extLst>
           </p:cNvPr>
@@ -3366,7 +3365,7 @@
           <p:cNvPr id="3" name="텍스트 개체 틀 2">
             <a:extLst>
               <a:ext uri="{FF2B5EF4-FFF2-40B4-BE49-F238E27FC236}">
-                <a16:creationId xmlns="" xmlns:a16="http://schemas.microsoft.com/office/drawing/2014/main" id="{25B2A237-7572-46BD-9502-829F6C0AD4F8}"/>
+                <a16:creationId xmlns:a16="http://schemas.microsoft.com/office/drawing/2014/main" xmlns="" id="{25B2A237-7572-46BD-9502-829F6C0AD4F8}"/>
               </a:ext>
             </a:extLst>
           </p:cNvPr>
@@ -3437,7 +3436,7 @@
           <p:cNvPr id="4" name="내용 개체 틀 3">
             <a:extLst>
               <a:ext uri="{FF2B5EF4-FFF2-40B4-BE49-F238E27FC236}">
-                <a16:creationId xmlns="" xmlns:a16="http://schemas.microsoft.com/office/drawing/2014/main" id="{81AE9732-B570-4506-BDA6-0AB39D453684}"/>
+                <a16:creationId xmlns:a16="http://schemas.microsoft.com/office/drawing/2014/main" xmlns="" id="{81AE9732-B570-4506-BDA6-0AB39D453684}"/>
               </a:ext>
             </a:extLst>
           </p:cNvPr>
@@ -3499,7 +3498,7 @@
           <p:cNvPr id="5" name="텍스트 개체 틀 4">
             <a:extLst>
               <a:ext uri="{FF2B5EF4-FFF2-40B4-BE49-F238E27FC236}">
-                <a16:creationId xmlns="" xmlns:a16="http://schemas.microsoft.com/office/drawing/2014/main" id="{A289407D-7DA6-4293-A426-38DF9B21160E}"/>
+                <a16:creationId xmlns:a16="http://schemas.microsoft.com/office/drawing/2014/main" xmlns="" id="{A289407D-7DA6-4293-A426-38DF9B21160E}"/>
               </a:ext>
             </a:extLst>
           </p:cNvPr>
@@ -3570,7 +3569,7 @@
           <p:cNvPr id="6" name="내용 개체 틀 5">
             <a:extLst>
               <a:ext uri="{FF2B5EF4-FFF2-40B4-BE49-F238E27FC236}">
-                <a16:creationId xmlns="" xmlns:a16="http://schemas.microsoft.com/office/drawing/2014/main" id="{F239549F-370A-4671-B1BB-79655CC6CB8C}"/>
+                <a16:creationId xmlns:a16="http://schemas.microsoft.com/office/drawing/2014/main" xmlns="" id="{F239549F-370A-4671-B1BB-79655CC6CB8C}"/>
               </a:ext>
             </a:extLst>
           </p:cNvPr>
@@ -3632,7 +3631,7 @@
           <p:cNvPr id="7" name="날짜 개체 틀 6">
             <a:extLst>
               <a:ext uri="{FF2B5EF4-FFF2-40B4-BE49-F238E27FC236}">
-                <a16:creationId xmlns="" xmlns:a16="http://schemas.microsoft.com/office/drawing/2014/main" id="{A86D9E62-97AA-41F8-B69B-6CD691CF0E2A}"/>
+                <a16:creationId xmlns:a16="http://schemas.microsoft.com/office/drawing/2014/main" xmlns="" id="{A86D9E62-97AA-41F8-B69B-6CD691CF0E2A}"/>
               </a:ext>
             </a:extLst>
           </p:cNvPr>
@@ -3673,7 +3672,7 @@
           <p:cNvPr id="8" name="바닥글 개체 틀 7">
             <a:extLst>
               <a:ext uri="{FF2B5EF4-FFF2-40B4-BE49-F238E27FC236}">
-                <a16:creationId xmlns="" xmlns:a16="http://schemas.microsoft.com/office/drawing/2014/main" id="{F41D3FC0-561B-4DE4-AA99-9DB56EC6B344}"/>
+                <a16:creationId xmlns:a16="http://schemas.microsoft.com/office/drawing/2014/main" xmlns="" id="{F41D3FC0-561B-4DE4-AA99-9DB56EC6B344}"/>
               </a:ext>
             </a:extLst>
           </p:cNvPr>
@@ -3704,7 +3703,7 @@
           <p:cNvPr id="9" name="슬라이드 번호 개체 틀 8">
             <a:extLst>
               <a:ext uri="{FF2B5EF4-FFF2-40B4-BE49-F238E27FC236}">
-                <a16:creationId xmlns="" xmlns:a16="http://schemas.microsoft.com/office/drawing/2014/main" id="{AD0040F2-99C5-450C-9966-5D00290EBF69}"/>
+                <a16:creationId xmlns:a16="http://schemas.microsoft.com/office/drawing/2014/main" xmlns="" id="{AD0040F2-99C5-450C-9966-5D00290EBF69}"/>
               </a:ext>
             </a:extLst>
           </p:cNvPr>
@@ -3776,7 +3775,7 @@
           <p:cNvPr id="2" name="제목 1">
             <a:extLst>
               <a:ext uri="{FF2B5EF4-FFF2-40B4-BE49-F238E27FC236}">
-                <a16:creationId xmlns="" xmlns:a16="http://schemas.microsoft.com/office/drawing/2014/main" id="{C6E337C1-8281-4F6E-9A31-EBE388C3C82F}"/>
+                <a16:creationId xmlns:a16="http://schemas.microsoft.com/office/drawing/2014/main" xmlns="" id="{C6E337C1-8281-4F6E-9A31-EBE388C3C82F}"/>
               </a:ext>
             </a:extLst>
           </p:cNvPr>
@@ -3804,7 +3803,7 @@
           <p:cNvPr id="3" name="날짜 개체 틀 2">
             <a:extLst>
               <a:ext uri="{FF2B5EF4-FFF2-40B4-BE49-F238E27FC236}">
-                <a16:creationId xmlns="" xmlns:a16="http://schemas.microsoft.com/office/drawing/2014/main" id="{00EA4B32-9135-4223-8DE6-887D2743405B}"/>
+                <a16:creationId xmlns:a16="http://schemas.microsoft.com/office/drawing/2014/main" xmlns="" id="{00EA4B32-9135-4223-8DE6-887D2743405B}"/>
               </a:ext>
             </a:extLst>
           </p:cNvPr>
@@ -3845,7 +3844,7 @@
           <p:cNvPr id="4" name="바닥글 개체 틀 3">
             <a:extLst>
               <a:ext uri="{FF2B5EF4-FFF2-40B4-BE49-F238E27FC236}">
-                <a16:creationId xmlns="" xmlns:a16="http://schemas.microsoft.com/office/drawing/2014/main" id="{9407FC83-8D70-48DB-8681-08CFD9C0DA58}"/>
+                <a16:creationId xmlns:a16="http://schemas.microsoft.com/office/drawing/2014/main" xmlns="" id="{9407FC83-8D70-48DB-8681-08CFD9C0DA58}"/>
               </a:ext>
             </a:extLst>
           </p:cNvPr>
@@ -3876,7 +3875,7 @@
           <p:cNvPr id="5" name="슬라이드 번호 개체 틀 4">
             <a:extLst>
               <a:ext uri="{FF2B5EF4-FFF2-40B4-BE49-F238E27FC236}">
-                <a16:creationId xmlns="" xmlns:a16="http://schemas.microsoft.com/office/drawing/2014/main" id="{A8FC15EC-BCCB-4B82-A94C-FABC63DF674F}"/>
+                <a16:creationId xmlns:a16="http://schemas.microsoft.com/office/drawing/2014/main" xmlns="" id="{A8FC15EC-BCCB-4B82-A94C-FABC63DF674F}"/>
               </a:ext>
             </a:extLst>
           </p:cNvPr>
@@ -3948,7 +3947,7 @@
           <p:cNvPr id="2" name="날짜 개체 틀 1">
             <a:extLst>
               <a:ext uri="{FF2B5EF4-FFF2-40B4-BE49-F238E27FC236}">
-                <a16:creationId xmlns="" xmlns:a16="http://schemas.microsoft.com/office/drawing/2014/main" id="{2B9F9692-5462-4439-80C8-B7E337FC9AC3}"/>
+                <a16:creationId xmlns:a16="http://schemas.microsoft.com/office/drawing/2014/main" xmlns="" id="{2B9F9692-5462-4439-80C8-B7E337FC9AC3}"/>
               </a:ext>
             </a:extLst>
           </p:cNvPr>
@@ -3989,7 +3988,7 @@
           <p:cNvPr id="3" name="바닥글 개체 틀 2">
             <a:extLst>
               <a:ext uri="{FF2B5EF4-FFF2-40B4-BE49-F238E27FC236}">
-                <a16:creationId xmlns="" xmlns:a16="http://schemas.microsoft.com/office/drawing/2014/main" id="{94CA042D-EBC0-437C-A819-521611A545F2}"/>
+                <a16:creationId xmlns:a16="http://schemas.microsoft.com/office/drawing/2014/main" xmlns="" id="{94CA042D-EBC0-437C-A819-521611A545F2}"/>
               </a:ext>
             </a:extLst>
           </p:cNvPr>
@@ -4020,7 +4019,7 @@
           <p:cNvPr id="4" name="슬라이드 번호 개체 틀 3">
             <a:extLst>
               <a:ext uri="{FF2B5EF4-FFF2-40B4-BE49-F238E27FC236}">
-                <a16:creationId xmlns="" xmlns:a16="http://schemas.microsoft.com/office/drawing/2014/main" id="{A2415CDA-0D1F-49BD-8381-21C3BEFD5A98}"/>
+                <a16:creationId xmlns:a16="http://schemas.microsoft.com/office/drawing/2014/main" xmlns="" id="{A2415CDA-0D1F-49BD-8381-21C3BEFD5A98}"/>
               </a:ext>
             </a:extLst>
           </p:cNvPr>
@@ -4092,7 +4091,7 @@
           <p:cNvPr id="2" name="제목 1">
             <a:extLst>
               <a:ext uri="{FF2B5EF4-FFF2-40B4-BE49-F238E27FC236}">
-                <a16:creationId xmlns="" xmlns:a16="http://schemas.microsoft.com/office/drawing/2014/main" id="{2A6F10D4-8D29-48C2-ADF0-92316E2C8E4E}"/>
+                <a16:creationId xmlns:a16="http://schemas.microsoft.com/office/drawing/2014/main" xmlns="" id="{2A6F10D4-8D29-48C2-ADF0-92316E2C8E4E}"/>
               </a:ext>
             </a:extLst>
           </p:cNvPr>
@@ -4129,7 +4128,7 @@
           <p:cNvPr id="3" name="내용 개체 틀 2">
             <a:extLst>
               <a:ext uri="{FF2B5EF4-FFF2-40B4-BE49-F238E27FC236}">
-                <a16:creationId xmlns="" xmlns:a16="http://schemas.microsoft.com/office/drawing/2014/main" id="{BBBA3CD3-DE79-4260-873A-FEDE5C678F80}"/>
+                <a16:creationId xmlns:a16="http://schemas.microsoft.com/office/drawing/2014/main" xmlns="" id="{BBBA3CD3-DE79-4260-873A-FEDE5C678F80}"/>
               </a:ext>
             </a:extLst>
           </p:cNvPr>
@@ -4219,7 +4218,7 @@
           <p:cNvPr id="4" name="텍스트 개체 틀 3">
             <a:extLst>
               <a:ext uri="{FF2B5EF4-FFF2-40B4-BE49-F238E27FC236}">
-                <a16:creationId xmlns="" xmlns:a16="http://schemas.microsoft.com/office/drawing/2014/main" id="{319C6BD2-52A1-4155-9D55-1D847772EA8C}"/>
+                <a16:creationId xmlns:a16="http://schemas.microsoft.com/office/drawing/2014/main" xmlns="" id="{319C6BD2-52A1-4155-9D55-1D847772EA8C}"/>
               </a:ext>
             </a:extLst>
           </p:cNvPr>
@@ -4290,7 +4289,7 @@
           <p:cNvPr id="5" name="날짜 개체 틀 4">
             <a:extLst>
               <a:ext uri="{FF2B5EF4-FFF2-40B4-BE49-F238E27FC236}">
-                <a16:creationId xmlns="" xmlns:a16="http://schemas.microsoft.com/office/drawing/2014/main" id="{982A3511-0B13-4D97-937C-07365FBADAEA}"/>
+                <a16:creationId xmlns:a16="http://schemas.microsoft.com/office/drawing/2014/main" xmlns="" id="{982A3511-0B13-4D97-937C-07365FBADAEA}"/>
               </a:ext>
             </a:extLst>
           </p:cNvPr>
@@ -4331,7 +4330,7 @@
           <p:cNvPr id="6" name="바닥글 개체 틀 5">
             <a:extLst>
               <a:ext uri="{FF2B5EF4-FFF2-40B4-BE49-F238E27FC236}">
-                <a16:creationId xmlns="" xmlns:a16="http://schemas.microsoft.com/office/drawing/2014/main" id="{54C805B4-20AF-4A3C-B131-E1D9FFBB024D}"/>
+                <a16:creationId xmlns:a16="http://schemas.microsoft.com/office/drawing/2014/main" xmlns="" id="{54C805B4-20AF-4A3C-B131-E1D9FFBB024D}"/>
               </a:ext>
             </a:extLst>
           </p:cNvPr>
@@ -4362,7 +4361,7 @@
           <p:cNvPr id="7" name="슬라이드 번호 개체 틀 6">
             <a:extLst>
               <a:ext uri="{FF2B5EF4-FFF2-40B4-BE49-F238E27FC236}">
-                <a16:creationId xmlns="" xmlns:a16="http://schemas.microsoft.com/office/drawing/2014/main" id="{89C705FC-2895-472A-B6FD-C2434624BB3B}"/>
+                <a16:creationId xmlns:a16="http://schemas.microsoft.com/office/drawing/2014/main" xmlns="" id="{89C705FC-2895-472A-B6FD-C2434624BB3B}"/>
               </a:ext>
             </a:extLst>
           </p:cNvPr>
@@ -4434,7 +4433,7 @@
           <p:cNvPr id="2" name="제목 1">
             <a:extLst>
               <a:ext uri="{FF2B5EF4-FFF2-40B4-BE49-F238E27FC236}">
-                <a16:creationId xmlns="" xmlns:a16="http://schemas.microsoft.com/office/drawing/2014/main" id="{4C00D820-915B-4802-8C2E-FF7CA967E012}"/>
+                <a16:creationId xmlns:a16="http://schemas.microsoft.com/office/drawing/2014/main" xmlns="" id="{4C00D820-915B-4802-8C2E-FF7CA967E012}"/>
               </a:ext>
             </a:extLst>
           </p:cNvPr>
@@ -4471,7 +4470,7 @@
           <p:cNvPr id="3" name="그림 개체 틀 2">
             <a:extLst>
               <a:ext uri="{FF2B5EF4-FFF2-40B4-BE49-F238E27FC236}">
-                <a16:creationId xmlns="" xmlns:a16="http://schemas.microsoft.com/office/drawing/2014/main" id="{10CF9849-20D0-417A-99C8-099DF39939AC}"/>
+                <a16:creationId xmlns:a16="http://schemas.microsoft.com/office/drawing/2014/main" xmlns="" id="{10CF9849-20D0-417A-99C8-099DF39939AC}"/>
               </a:ext>
             </a:extLst>
           </p:cNvPr>
@@ -4538,7 +4537,7 @@
           <p:cNvPr id="4" name="텍스트 개체 틀 3">
             <a:extLst>
               <a:ext uri="{FF2B5EF4-FFF2-40B4-BE49-F238E27FC236}">
-                <a16:creationId xmlns="" xmlns:a16="http://schemas.microsoft.com/office/drawing/2014/main" id="{144A7754-54E7-4123-8C5E-1B05B517B5D4}"/>
+                <a16:creationId xmlns:a16="http://schemas.microsoft.com/office/drawing/2014/main" xmlns="" id="{144A7754-54E7-4123-8C5E-1B05B517B5D4}"/>
               </a:ext>
             </a:extLst>
           </p:cNvPr>
@@ -4609,7 +4608,7 @@
           <p:cNvPr id="5" name="날짜 개체 틀 4">
             <a:extLst>
               <a:ext uri="{FF2B5EF4-FFF2-40B4-BE49-F238E27FC236}">
-                <a16:creationId xmlns="" xmlns:a16="http://schemas.microsoft.com/office/drawing/2014/main" id="{3AFFF3F1-9632-4E06-BAB7-312343416AE9}"/>
+                <a16:creationId xmlns:a16="http://schemas.microsoft.com/office/drawing/2014/main" xmlns="" id="{3AFFF3F1-9632-4E06-BAB7-312343416AE9}"/>
               </a:ext>
             </a:extLst>
           </p:cNvPr>
@@ -4650,7 +4649,7 @@
           <p:cNvPr id="6" name="바닥글 개체 틀 5">
             <a:extLst>
               <a:ext uri="{FF2B5EF4-FFF2-40B4-BE49-F238E27FC236}">
-                <a16:creationId xmlns="" xmlns:a16="http://schemas.microsoft.com/office/drawing/2014/main" id="{5F23D6B1-934F-4B4D-9E4F-5AE9E873CB6E}"/>
+                <a16:creationId xmlns:a16="http://schemas.microsoft.com/office/drawing/2014/main" xmlns="" id="{5F23D6B1-934F-4B4D-9E4F-5AE9E873CB6E}"/>
               </a:ext>
             </a:extLst>
           </p:cNvPr>
@@ -4681,7 +4680,7 @@
           <p:cNvPr id="7" name="슬라이드 번호 개체 틀 6">
             <a:extLst>
               <a:ext uri="{FF2B5EF4-FFF2-40B4-BE49-F238E27FC236}">
-                <a16:creationId xmlns="" xmlns:a16="http://schemas.microsoft.com/office/drawing/2014/main" id="{B157FDD5-2092-4E16-8E7C-1CCA4719CF8A}"/>
+                <a16:creationId xmlns:a16="http://schemas.microsoft.com/office/drawing/2014/main" xmlns="" id="{B157FDD5-2092-4E16-8E7C-1CCA4719CF8A}"/>
               </a:ext>
             </a:extLst>
           </p:cNvPr>
@@ -4758,7 +4757,7 @@
           <p:cNvPr id="2" name="제목 개체 틀 1">
             <a:extLst>
               <a:ext uri="{FF2B5EF4-FFF2-40B4-BE49-F238E27FC236}">
-                <a16:creationId xmlns="" xmlns:a16="http://schemas.microsoft.com/office/drawing/2014/main" id="{84C8B562-0886-4274-876D-59EFAAAE2F3B}"/>
+                <a16:creationId xmlns:a16="http://schemas.microsoft.com/office/drawing/2014/main" xmlns="" id="{84C8B562-0886-4274-876D-59EFAAAE2F3B}"/>
               </a:ext>
             </a:extLst>
           </p:cNvPr>
@@ -4796,7 +4795,7 @@
           <p:cNvPr id="3" name="텍스트 개체 틀 2">
             <a:extLst>
               <a:ext uri="{FF2B5EF4-FFF2-40B4-BE49-F238E27FC236}">
-                <a16:creationId xmlns="" xmlns:a16="http://schemas.microsoft.com/office/drawing/2014/main" id="{61799B9E-1CD2-4A09-9ACC-2FA1C62D7AF6}"/>
+                <a16:creationId xmlns:a16="http://schemas.microsoft.com/office/drawing/2014/main" xmlns="" id="{61799B9E-1CD2-4A09-9ACC-2FA1C62D7AF6}"/>
               </a:ext>
             </a:extLst>
           </p:cNvPr>
@@ -4863,7 +4862,7 @@
           <p:cNvPr id="4" name="날짜 개체 틀 3">
             <a:extLst>
               <a:ext uri="{FF2B5EF4-FFF2-40B4-BE49-F238E27FC236}">
-                <a16:creationId xmlns="" xmlns:a16="http://schemas.microsoft.com/office/drawing/2014/main" id="{42A0C5B4-9399-4A5E-8DEE-54436B1EC85C}"/>
+                <a16:creationId xmlns:a16="http://schemas.microsoft.com/office/drawing/2014/main" xmlns="" id="{42A0C5B4-9399-4A5E-8DEE-54436B1EC85C}"/>
               </a:ext>
             </a:extLst>
           </p:cNvPr>
@@ -4922,7 +4921,7 @@
           <p:cNvPr id="5" name="바닥글 개체 틀 4">
             <a:extLst>
               <a:ext uri="{FF2B5EF4-FFF2-40B4-BE49-F238E27FC236}">
-                <a16:creationId xmlns="" xmlns:a16="http://schemas.microsoft.com/office/drawing/2014/main" id="{F5B2B9FF-C0C5-4E9E-A76A-AF0745E2D88E}"/>
+                <a16:creationId xmlns:a16="http://schemas.microsoft.com/office/drawing/2014/main" xmlns="" id="{F5B2B9FF-C0C5-4E9E-A76A-AF0745E2D88E}"/>
               </a:ext>
             </a:extLst>
           </p:cNvPr>
@@ -4971,7 +4970,7 @@
           <p:cNvPr id="6" name="슬라이드 번호 개체 틀 5">
             <a:extLst>
               <a:ext uri="{FF2B5EF4-FFF2-40B4-BE49-F238E27FC236}">
-                <a16:creationId xmlns="" xmlns:a16="http://schemas.microsoft.com/office/drawing/2014/main" id="{E8992FE0-2D01-4365-9F95-1FF838BCEF3A}"/>
+                <a16:creationId xmlns:a16="http://schemas.microsoft.com/office/drawing/2014/main" xmlns="" id="{E8992FE0-2D01-4365-9F95-1FF838BCEF3A}"/>
               </a:ext>
             </a:extLst>
           </p:cNvPr>
@@ -5353,7 +5352,7 @@
           <p:cNvPr id="37" name="그룹 36">
             <a:extLst>
               <a:ext uri="{FF2B5EF4-FFF2-40B4-BE49-F238E27FC236}">
-                <a16:creationId xmlns="" xmlns:a16="http://schemas.microsoft.com/office/drawing/2014/main" id="{CE6C6FC2-ECC4-4384-B230-8E56459D765B}"/>
+                <a16:creationId xmlns:a16="http://schemas.microsoft.com/office/drawing/2014/main" xmlns="" id="{CE6C6FC2-ECC4-4384-B230-8E56459D765B}"/>
               </a:ext>
             </a:extLst>
           </p:cNvPr>
@@ -5373,7 +5372,7 @@
             <p:cNvPr id="36" name="자유형: 도형 35">
               <a:extLst>
                 <a:ext uri="{FF2B5EF4-FFF2-40B4-BE49-F238E27FC236}">
-                  <a16:creationId xmlns="" xmlns:a16="http://schemas.microsoft.com/office/drawing/2014/main" id="{52D8D745-3FFC-4AE8-97FF-03DA7BD34989}"/>
+                  <a16:creationId xmlns:a16="http://schemas.microsoft.com/office/drawing/2014/main" xmlns="" id="{52D8D745-3FFC-4AE8-97FF-03DA7BD34989}"/>
                 </a:ext>
               </a:extLst>
             </p:cNvPr>
@@ -5496,7 +5495,7 @@
             <p:cNvPr id="28" name="그룹 27">
               <a:extLst>
                 <a:ext uri="{FF2B5EF4-FFF2-40B4-BE49-F238E27FC236}">
-                  <a16:creationId xmlns="" xmlns:a16="http://schemas.microsoft.com/office/drawing/2014/main" id="{F5357EA6-5412-4DA8-B2CB-44F757430D45}"/>
+                  <a16:creationId xmlns:a16="http://schemas.microsoft.com/office/drawing/2014/main" xmlns="" id="{F5357EA6-5412-4DA8-B2CB-44F757430D45}"/>
                 </a:ext>
               </a:extLst>
             </p:cNvPr>
@@ -5516,7 +5515,7 @@
               <p:cNvPr id="15" name="자유형: 도형 14">
                 <a:extLst>
                   <a:ext uri="{FF2B5EF4-FFF2-40B4-BE49-F238E27FC236}">
-                    <a16:creationId xmlns="" xmlns:a16="http://schemas.microsoft.com/office/drawing/2014/main" id="{7C7036B2-9741-4CE3-8B34-B1D00D58C6C0}"/>
+                    <a16:creationId xmlns:a16="http://schemas.microsoft.com/office/drawing/2014/main" xmlns="" id="{7C7036B2-9741-4CE3-8B34-B1D00D58C6C0}"/>
                   </a:ext>
                 </a:extLst>
               </p:cNvPr>
@@ -5629,7 +5628,7 @@
               <p:cNvPr id="13" name="자유형: 도형 12">
                 <a:extLst>
                   <a:ext uri="{FF2B5EF4-FFF2-40B4-BE49-F238E27FC236}">
-                    <a16:creationId xmlns="" xmlns:a16="http://schemas.microsoft.com/office/drawing/2014/main" id="{83BC1BC1-768A-4FF3-B0F7-2504AB2463E1}"/>
+                    <a16:creationId xmlns:a16="http://schemas.microsoft.com/office/drawing/2014/main" xmlns="" id="{83BC1BC1-768A-4FF3-B0F7-2504AB2463E1}"/>
                   </a:ext>
                 </a:extLst>
               </p:cNvPr>
@@ -5752,7 +5751,7 @@
               <p:cNvPr id="5" name="직사각형 4">
                 <a:extLst>
                   <a:ext uri="{FF2B5EF4-FFF2-40B4-BE49-F238E27FC236}">
-                    <a16:creationId xmlns="" xmlns:a16="http://schemas.microsoft.com/office/drawing/2014/main" id="{03486F2F-3BC2-44B6-9674-2789396E3EBA}"/>
+                    <a16:creationId xmlns:a16="http://schemas.microsoft.com/office/drawing/2014/main" xmlns="" id="{03486F2F-3BC2-44B6-9674-2789396E3EBA}"/>
                   </a:ext>
                 </a:extLst>
               </p:cNvPr>
@@ -5825,7 +5824,7 @@
           <p:cNvPr id="32" name="TextBox 31">
             <a:extLst>
               <a:ext uri="{FF2B5EF4-FFF2-40B4-BE49-F238E27FC236}">
-                <a16:creationId xmlns="" xmlns:a16="http://schemas.microsoft.com/office/drawing/2014/main" id="{F4DD5D54-DA01-48D0-A264-C7FF6F59DBDD}"/>
+                <a16:creationId xmlns:a16="http://schemas.microsoft.com/office/drawing/2014/main" xmlns="" id="{F4DD5D54-DA01-48D0-A264-C7FF6F59DBDD}"/>
               </a:ext>
             </a:extLst>
           </p:cNvPr>
@@ -6027,7 +6026,7 @@
           <p:cNvPr id="2" name="슬라이드 번호 개체 틀 1">
             <a:extLst>
               <a:ext uri="{FF2B5EF4-FFF2-40B4-BE49-F238E27FC236}">
-                <a16:creationId xmlns="" xmlns:a16="http://schemas.microsoft.com/office/drawing/2014/main" id="{D694FECB-E2FA-954F-A2C6-588C8DC0D24C}"/>
+                <a16:creationId xmlns:a16="http://schemas.microsoft.com/office/drawing/2014/main" xmlns="" id="{D694FECB-E2FA-954F-A2C6-588C8DC0D24C}"/>
               </a:ext>
             </a:extLst>
           </p:cNvPr>
@@ -6074,6 +6073,13 @@
   <p:clrMapOvr>
     <a:masterClrMapping/>
   </p:clrMapOvr>
+  <p:timing>
+    <p:tnLst>
+      <p:par>
+        <p:cTn id="1" dur="indefinite" restart="never" nodeType="tmRoot"/>
+      </p:par>
+    </p:tnLst>
+  </p:timing>
 </p:sld>
 </file>
 
@@ -6099,7 +6105,7 @@
           <p:cNvPr id="15" name="자유형: 도형 14">
             <a:extLst>
               <a:ext uri="{FF2B5EF4-FFF2-40B4-BE49-F238E27FC236}">
-                <a16:creationId xmlns="" xmlns:a16="http://schemas.microsoft.com/office/drawing/2014/main" id="{7C7036B2-9741-4CE3-8B34-B1D00D58C6C0}"/>
+                <a16:creationId xmlns:a16="http://schemas.microsoft.com/office/drawing/2014/main" xmlns="" id="{7C7036B2-9741-4CE3-8B34-B1D00D58C6C0}"/>
               </a:ext>
             </a:extLst>
           </p:cNvPr>
@@ -6212,7 +6218,7 @@
           <p:cNvPr id="13" name="자유형: 도형 12">
             <a:extLst>
               <a:ext uri="{FF2B5EF4-FFF2-40B4-BE49-F238E27FC236}">
-                <a16:creationId xmlns="" xmlns:a16="http://schemas.microsoft.com/office/drawing/2014/main" id="{83BC1BC1-768A-4FF3-B0F7-2504AB2463E1}"/>
+                <a16:creationId xmlns:a16="http://schemas.microsoft.com/office/drawing/2014/main" xmlns="" id="{83BC1BC1-768A-4FF3-B0F7-2504AB2463E1}"/>
               </a:ext>
             </a:extLst>
           </p:cNvPr>
@@ -6335,7 +6341,7 @@
           <p:cNvPr id="17" name="직사각형 16">
             <a:extLst>
               <a:ext uri="{FF2B5EF4-FFF2-40B4-BE49-F238E27FC236}">
-                <a16:creationId xmlns="" xmlns:a16="http://schemas.microsoft.com/office/drawing/2014/main" id="{42DD46FB-78F9-499E-B11B-128CA332B259}"/>
+                <a16:creationId xmlns:a16="http://schemas.microsoft.com/office/drawing/2014/main" xmlns="" id="{42DD46FB-78F9-499E-B11B-128CA332B259}"/>
               </a:ext>
             </a:extLst>
           </p:cNvPr>
@@ -6390,7 +6396,7 @@
           <p:cNvPr id="5" name="직사각형 4">
             <a:extLst>
               <a:ext uri="{FF2B5EF4-FFF2-40B4-BE49-F238E27FC236}">
-                <a16:creationId xmlns="" xmlns:a16="http://schemas.microsoft.com/office/drawing/2014/main" id="{03486F2F-3BC2-44B6-9674-2789396E3EBA}"/>
+                <a16:creationId xmlns:a16="http://schemas.microsoft.com/office/drawing/2014/main" xmlns="" id="{03486F2F-3BC2-44B6-9674-2789396E3EBA}"/>
               </a:ext>
             </a:extLst>
           </p:cNvPr>
@@ -6456,7 +6462,7 @@
           <p:cNvPr id="11" name="Freeform 9">
             <a:extLst>
               <a:ext uri="{FF2B5EF4-FFF2-40B4-BE49-F238E27FC236}">
-                <a16:creationId xmlns="" xmlns:a16="http://schemas.microsoft.com/office/drawing/2014/main" id="{9C7891CF-0CE6-4459-8B48-D99AB7321D43}"/>
+                <a16:creationId xmlns:a16="http://schemas.microsoft.com/office/drawing/2014/main" xmlns="" id="{9C7891CF-0CE6-4459-8B48-D99AB7321D43}"/>
               </a:ext>
             </a:extLst>
           </p:cNvPr>
@@ -7405,7 +7411,7 @@
           <p:cNvPr id="8" name="표 8">
             <a:extLst>
               <a:ext uri="{FF2B5EF4-FFF2-40B4-BE49-F238E27FC236}">
-                <a16:creationId xmlns="" xmlns:a16="http://schemas.microsoft.com/office/drawing/2014/main" id="{3AA80DDB-F1D6-504A-BE8E-4961D9A0B3F8}"/>
+                <a16:creationId xmlns:a16="http://schemas.microsoft.com/office/drawing/2014/main" xmlns="" id="{3AA80DDB-F1D6-504A-BE8E-4961D9A0B3F8}"/>
               </a:ext>
             </a:extLst>
           </p:cNvPr>
@@ -7439,63 +7445,63 @@
                 <a:gridCol w="2538720">
                   <a:extLst>
                     <a:ext uri="{9D8B030D-6E8A-4147-A177-3AD203B41FA5}">
-                      <a16:colId xmlns="" xmlns:a16="http://schemas.microsoft.com/office/drawing/2014/main" val="3575555495"/>
+                      <a16:colId xmlns:a16="http://schemas.microsoft.com/office/drawing/2014/main" xmlns="" val="3575555495"/>
                     </a:ext>
                   </a:extLst>
                 </a:gridCol>
                 <a:gridCol w="767171">
                   <a:extLst>
                     <a:ext uri="{9D8B030D-6E8A-4147-A177-3AD203B41FA5}">
-                      <a16:colId xmlns="" xmlns:a16="http://schemas.microsoft.com/office/drawing/2014/main" val="4215747526"/>
+                      <a16:colId xmlns:a16="http://schemas.microsoft.com/office/drawing/2014/main" xmlns="" val="4215747526"/>
                     </a:ext>
                   </a:extLst>
                 </a:gridCol>
                 <a:gridCol w="767171">
                   <a:extLst>
                     <a:ext uri="{9D8B030D-6E8A-4147-A177-3AD203B41FA5}">
-                      <a16:colId xmlns="" xmlns:a16="http://schemas.microsoft.com/office/drawing/2014/main" val="3337107816"/>
+                      <a16:colId xmlns:a16="http://schemas.microsoft.com/office/drawing/2014/main" xmlns="" val="3337107816"/>
                     </a:ext>
                   </a:extLst>
                 </a:gridCol>
                 <a:gridCol w="767171">
                   <a:extLst>
                     <a:ext uri="{9D8B030D-6E8A-4147-A177-3AD203B41FA5}">
-                      <a16:colId xmlns="" xmlns:a16="http://schemas.microsoft.com/office/drawing/2014/main" val="4017773948"/>
+                      <a16:colId xmlns:a16="http://schemas.microsoft.com/office/drawing/2014/main" xmlns="" val="4017773948"/>
                     </a:ext>
                   </a:extLst>
                 </a:gridCol>
                 <a:gridCol w="767171">
                   <a:extLst>
                     <a:ext uri="{9D8B030D-6E8A-4147-A177-3AD203B41FA5}">
-                      <a16:colId xmlns="" xmlns:a16="http://schemas.microsoft.com/office/drawing/2014/main" val="1034176125"/>
+                      <a16:colId xmlns:a16="http://schemas.microsoft.com/office/drawing/2014/main" xmlns="" val="1034176125"/>
                     </a:ext>
                   </a:extLst>
                 </a:gridCol>
                 <a:gridCol w="767171">
                   <a:extLst>
                     <a:ext uri="{9D8B030D-6E8A-4147-A177-3AD203B41FA5}">
-                      <a16:colId xmlns="" xmlns:a16="http://schemas.microsoft.com/office/drawing/2014/main" val="3175568508"/>
+                      <a16:colId xmlns:a16="http://schemas.microsoft.com/office/drawing/2014/main" xmlns="" val="3175568508"/>
                     </a:ext>
                   </a:extLst>
                 </a:gridCol>
                 <a:gridCol w="767171">
                   <a:extLst>
                     <a:ext uri="{9D8B030D-6E8A-4147-A177-3AD203B41FA5}">
-                      <a16:colId xmlns="" xmlns:a16="http://schemas.microsoft.com/office/drawing/2014/main" val="3928234866"/>
+                      <a16:colId xmlns:a16="http://schemas.microsoft.com/office/drawing/2014/main" xmlns="" val="3928234866"/>
                     </a:ext>
                   </a:extLst>
                 </a:gridCol>
                 <a:gridCol w="767171">
                   <a:extLst>
                     <a:ext uri="{9D8B030D-6E8A-4147-A177-3AD203B41FA5}">
-                      <a16:colId xmlns="" xmlns:a16="http://schemas.microsoft.com/office/drawing/2014/main" val="2578226831"/>
+                      <a16:colId xmlns:a16="http://schemas.microsoft.com/office/drawing/2014/main" xmlns="" val="2578226831"/>
                     </a:ext>
                   </a:extLst>
                 </a:gridCol>
                 <a:gridCol w="767171">
                   <a:extLst>
                     <a:ext uri="{9D8B030D-6E8A-4147-A177-3AD203B41FA5}">
-                      <a16:colId xmlns="" xmlns:a16="http://schemas.microsoft.com/office/drawing/2014/main" val="123223100"/>
+                      <a16:colId xmlns:a16="http://schemas.microsoft.com/office/drawing/2014/main" xmlns="" val="123223100"/>
                     </a:ext>
                   </a:extLst>
                 </a:gridCol>
@@ -8299,7 +8305,7 @@
                 </a:tc>
                 <a:extLst>
                   <a:ext uri="{0D108BD9-81ED-4DB2-BD59-A6C34878D82A}">
-                    <a16:rowId xmlns="" xmlns:a16="http://schemas.microsoft.com/office/drawing/2014/main" val="3565696962"/>
+                    <a16:rowId xmlns:a16="http://schemas.microsoft.com/office/drawing/2014/main" xmlns="" val="3565696962"/>
                   </a:ext>
                 </a:extLst>
               </a:tr>
@@ -8895,7 +8901,7 @@
                 </a:tc>
                 <a:extLst>
                   <a:ext uri="{0D108BD9-81ED-4DB2-BD59-A6C34878D82A}">
-                    <a16:rowId xmlns="" xmlns:a16="http://schemas.microsoft.com/office/drawing/2014/main" val="2892299761"/>
+                    <a16:rowId xmlns:a16="http://schemas.microsoft.com/office/drawing/2014/main" xmlns="" val="2892299761"/>
                   </a:ext>
                 </a:extLst>
               </a:tr>
@@ -9498,7 +9504,7 @@
                 </a:tc>
                 <a:extLst>
                   <a:ext uri="{0D108BD9-81ED-4DB2-BD59-A6C34878D82A}">
-                    <a16:rowId xmlns="" xmlns:a16="http://schemas.microsoft.com/office/drawing/2014/main" val="3099674647"/>
+                    <a16:rowId xmlns:a16="http://schemas.microsoft.com/office/drawing/2014/main" xmlns="" val="3099674647"/>
                   </a:ext>
                 </a:extLst>
               </a:tr>
@@ -10009,7 +10015,7 @@
                 </a:tc>
                 <a:extLst>
                   <a:ext uri="{0D108BD9-81ED-4DB2-BD59-A6C34878D82A}">
-                    <a16:rowId xmlns="" xmlns:a16="http://schemas.microsoft.com/office/drawing/2014/main" val="243329922"/>
+                    <a16:rowId xmlns:a16="http://schemas.microsoft.com/office/drawing/2014/main" xmlns="" val="243329922"/>
                   </a:ext>
                 </a:extLst>
               </a:tr>
@@ -10601,7 +10607,7 @@
                 </a:tc>
                 <a:extLst>
                   <a:ext uri="{0D108BD9-81ED-4DB2-BD59-A6C34878D82A}">
-                    <a16:rowId xmlns="" xmlns:a16="http://schemas.microsoft.com/office/drawing/2014/main" val="4247746694"/>
+                    <a16:rowId xmlns:a16="http://schemas.microsoft.com/office/drawing/2014/main" xmlns="" val="4247746694"/>
                   </a:ext>
                 </a:extLst>
               </a:tr>
@@ -11194,7 +11200,7 @@
                 </a:tc>
                 <a:extLst>
                   <a:ext uri="{0D108BD9-81ED-4DB2-BD59-A6C34878D82A}">
-                    <a16:rowId xmlns="" xmlns:a16="http://schemas.microsoft.com/office/drawing/2014/main" val="3370161111"/>
+                    <a16:rowId xmlns:a16="http://schemas.microsoft.com/office/drawing/2014/main" xmlns="" val="3370161111"/>
                   </a:ext>
                 </a:extLst>
               </a:tr>
@@ -11786,7 +11792,7 @@
                 </a:tc>
                 <a:extLst>
                   <a:ext uri="{0D108BD9-81ED-4DB2-BD59-A6C34878D82A}">
-                    <a16:rowId xmlns="" xmlns:a16="http://schemas.microsoft.com/office/drawing/2014/main" val="922607705"/>
+                    <a16:rowId xmlns:a16="http://schemas.microsoft.com/office/drawing/2014/main" xmlns="" val="922607705"/>
                   </a:ext>
                 </a:extLst>
               </a:tr>
@@ -12378,7 +12384,7 @@
                 </a:tc>
                 <a:extLst>
                   <a:ext uri="{0D108BD9-81ED-4DB2-BD59-A6C34878D82A}">
-                    <a16:rowId xmlns="" xmlns:a16="http://schemas.microsoft.com/office/drawing/2014/main" val="1824388444"/>
+                    <a16:rowId xmlns:a16="http://schemas.microsoft.com/office/drawing/2014/main" xmlns="" val="1824388444"/>
                   </a:ext>
                 </a:extLst>
               </a:tr>
@@ -12970,7 +12976,7 @@
                 </a:tc>
                 <a:extLst>
                   <a:ext uri="{0D108BD9-81ED-4DB2-BD59-A6C34878D82A}">
-                    <a16:rowId xmlns="" xmlns:a16="http://schemas.microsoft.com/office/drawing/2014/main" val="3050442294"/>
+                    <a16:rowId xmlns:a16="http://schemas.microsoft.com/office/drawing/2014/main" xmlns="" val="3050442294"/>
                   </a:ext>
                 </a:extLst>
               </a:tr>
@@ -13562,7 +13568,7 @@
                 </a:tc>
                 <a:extLst>
                   <a:ext uri="{0D108BD9-81ED-4DB2-BD59-A6C34878D82A}">
-                    <a16:rowId xmlns="" xmlns:a16="http://schemas.microsoft.com/office/drawing/2014/main" val="3148827246"/>
+                    <a16:rowId xmlns:a16="http://schemas.microsoft.com/office/drawing/2014/main" xmlns="" val="3148827246"/>
                   </a:ext>
                 </a:extLst>
               </a:tr>
@@ -14163,7 +14169,7 @@
                 </a:tc>
                 <a:extLst>
                   <a:ext uri="{0D108BD9-81ED-4DB2-BD59-A6C34878D82A}">
-                    <a16:rowId xmlns="" xmlns:a16="http://schemas.microsoft.com/office/drawing/2014/main" val="2056393316"/>
+                    <a16:rowId xmlns:a16="http://schemas.microsoft.com/office/drawing/2014/main" xmlns="" val="2056393316"/>
                   </a:ext>
                 </a:extLst>
               </a:tr>
@@ -14764,7 +14770,7 @@
                 </a:tc>
                 <a:extLst>
                   <a:ext uri="{0D108BD9-81ED-4DB2-BD59-A6C34878D82A}">
-                    <a16:rowId xmlns="" xmlns:a16="http://schemas.microsoft.com/office/drawing/2014/main" val="954235605"/>
+                    <a16:rowId xmlns:a16="http://schemas.microsoft.com/office/drawing/2014/main" xmlns="" val="954235605"/>
                   </a:ext>
                 </a:extLst>
               </a:tr>
@@ -14777,7 +14783,7 @@
           <p:cNvPr id="9" name="TextBox 8">
             <a:extLst>
               <a:ext uri="{FF2B5EF4-FFF2-40B4-BE49-F238E27FC236}">
-                <a16:creationId xmlns="" xmlns:a16="http://schemas.microsoft.com/office/drawing/2014/main" id="{35966966-33B1-8D4D-8864-C69A85C9D3B8}"/>
+                <a16:creationId xmlns:a16="http://schemas.microsoft.com/office/drawing/2014/main" xmlns="" id="{35966966-33B1-8D4D-8864-C69A85C9D3B8}"/>
               </a:ext>
             </a:extLst>
           </p:cNvPr>
@@ -14841,7 +14847,7 @@
           <p:cNvPr id="10" name="직사각형 9">
             <a:extLst>
               <a:ext uri="{FF2B5EF4-FFF2-40B4-BE49-F238E27FC236}">
-                <a16:creationId xmlns="" xmlns:a16="http://schemas.microsoft.com/office/drawing/2014/main" id="{DB9E92CD-C937-2242-AB4B-1F317F10DB56}"/>
+                <a16:creationId xmlns:a16="http://schemas.microsoft.com/office/drawing/2014/main" xmlns="" id="{DB9E92CD-C937-2242-AB4B-1F317F10DB56}"/>
               </a:ext>
             </a:extLst>
           </p:cNvPr>
@@ -14893,7 +14899,7 @@
           <p:cNvPr id="16" name="직사각형 15">
             <a:extLst>
               <a:ext uri="{FF2B5EF4-FFF2-40B4-BE49-F238E27FC236}">
-                <a16:creationId xmlns="" xmlns:a16="http://schemas.microsoft.com/office/drawing/2014/main" id="{42B9C2A5-5F92-824D-BA56-88F8F104A7D5}"/>
+                <a16:creationId xmlns:a16="http://schemas.microsoft.com/office/drawing/2014/main" xmlns="" id="{42B9C2A5-5F92-824D-BA56-88F8F104A7D5}"/>
               </a:ext>
             </a:extLst>
           </p:cNvPr>
@@ -14945,7 +14951,7 @@
           <p:cNvPr id="18" name="직사각형 17">
             <a:extLst>
               <a:ext uri="{FF2B5EF4-FFF2-40B4-BE49-F238E27FC236}">
-                <a16:creationId xmlns="" xmlns:a16="http://schemas.microsoft.com/office/drawing/2014/main" id="{DF13E349-EB20-2C49-A439-7E9C1B3AB221}"/>
+                <a16:creationId xmlns:a16="http://schemas.microsoft.com/office/drawing/2014/main" xmlns="" id="{DF13E349-EB20-2C49-A439-7E9C1B3AB221}"/>
               </a:ext>
             </a:extLst>
           </p:cNvPr>
@@ -14999,7 +15005,7 @@
           <p:cNvPr id="19" name="직사각형 18">
             <a:extLst>
               <a:ext uri="{FF2B5EF4-FFF2-40B4-BE49-F238E27FC236}">
-                <a16:creationId xmlns="" xmlns:a16="http://schemas.microsoft.com/office/drawing/2014/main" id="{52641A8F-5771-3447-875B-A25876EC9136}"/>
+                <a16:creationId xmlns:a16="http://schemas.microsoft.com/office/drawing/2014/main" xmlns="" id="{52641A8F-5771-3447-875B-A25876EC9136}"/>
               </a:ext>
             </a:extLst>
           </p:cNvPr>
@@ -15053,7 +15059,7 @@
           <p:cNvPr id="20" name="직사각형 19">
             <a:extLst>
               <a:ext uri="{FF2B5EF4-FFF2-40B4-BE49-F238E27FC236}">
-                <a16:creationId xmlns="" xmlns:a16="http://schemas.microsoft.com/office/drawing/2014/main" id="{DF010541-5A48-FE41-BA5D-03134AAFA52D}"/>
+                <a16:creationId xmlns:a16="http://schemas.microsoft.com/office/drawing/2014/main" xmlns="" id="{DF010541-5A48-FE41-BA5D-03134AAFA52D}"/>
               </a:ext>
             </a:extLst>
           </p:cNvPr>
@@ -15107,7 +15113,7 @@
           <p:cNvPr id="21" name="직사각형 20">
             <a:extLst>
               <a:ext uri="{FF2B5EF4-FFF2-40B4-BE49-F238E27FC236}">
-                <a16:creationId xmlns="" xmlns:a16="http://schemas.microsoft.com/office/drawing/2014/main" id="{73C341B1-8517-FB45-A27A-F803C5EA69DF}"/>
+                <a16:creationId xmlns:a16="http://schemas.microsoft.com/office/drawing/2014/main" xmlns="" id="{73C341B1-8517-FB45-A27A-F803C5EA69DF}"/>
               </a:ext>
             </a:extLst>
           </p:cNvPr>
@@ -15161,7 +15167,7 @@
           <p:cNvPr id="24" name="직사각형 23">
             <a:extLst>
               <a:ext uri="{FF2B5EF4-FFF2-40B4-BE49-F238E27FC236}">
-                <a16:creationId xmlns="" xmlns:a16="http://schemas.microsoft.com/office/drawing/2014/main" id="{A23EFE72-D327-9C4F-A08E-4F4980224B96}"/>
+                <a16:creationId xmlns:a16="http://schemas.microsoft.com/office/drawing/2014/main" xmlns="" id="{A23EFE72-D327-9C4F-A08E-4F4980224B96}"/>
               </a:ext>
             </a:extLst>
           </p:cNvPr>
@@ -15215,7 +15221,7 @@
           <p:cNvPr id="2" name="슬라이드 번호 개체 틀 1">
             <a:extLst>
               <a:ext uri="{FF2B5EF4-FFF2-40B4-BE49-F238E27FC236}">
-                <a16:creationId xmlns="" xmlns:a16="http://schemas.microsoft.com/office/drawing/2014/main" id="{770D3A59-7351-2B47-B246-F09043A53B80}"/>
+                <a16:creationId xmlns:a16="http://schemas.microsoft.com/office/drawing/2014/main" xmlns="" id="{770D3A59-7351-2B47-B246-F09043A53B80}"/>
               </a:ext>
             </a:extLst>
           </p:cNvPr>
@@ -15257,7 +15263,7 @@
           <p:cNvPr id="37" name="직사각형 36">
             <a:extLst>
               <a:ext uri="{FF2B5EF4-FFF2-40B4-BE49-F238E27FC236}">
-                <a16:creationId xmlns="" xmlns:a16="http://schemas.microsoft.com/office/drawing/2014/main" id="{5491186F-0B1F-314E-9CC6-807798B2F1F6}"/>
+                <a16:creationId xmlns:a16="http://schemas.microsoft.com/office/drawing/2014/main" xmlns="" id="{5491186F-0B1F-314E-9CC6-807798B2F1F6}"/>
               </a:ext>
             </a:extLst>
           </p:cNvPr>
@@ -15311,7 +15317,7 @@
           <p:cNvPr id="44" name="직사각형 43">
             <a:extLst>
               <a:ext uri="{FF2B5EF4-FFF2-40B4-BE49-F238E27FC236}">
-                <a16:creationId xmlns="" xmlns:a16="http://schemas.microsoft.com/office/drawing/2014/main" id="{589A2E53-CC9E-4E5C-BBB1-D2EFF7D6508F}"/>
+                <a16:creationId xmlns:a16="http://schemas.microsoft.com/office/drawing/2014/main" xmlns="" id="{589A2E53-CC9E-4E5C-BBB1-D2EFF7D6508F}"/>
               </a:ext>
             </a:extLst>
           </p:cNvPr>
@@ -15363,7 +15369,7 @@
           <p:cNvPr id="45" name="직사각형 44">
             <a:extLst>
               <a:ext uri="{FF2B5EF4-FFF2-40B4-BE49-F238E27FC236}">
-                <a16:creationId xmlns="" xmlns:a16="http://schemas.microsoft.com/office/drawing/2014/main" id="{D38CC910-99E5-4E9E-8DDB-B7911F2C8C24}"/>
+                <a16:creationId xmlns:a16="http://schemas.microsoft.com/office/drawing/2014/main" xmlns="" id="{D38CC910-99E5-4E9E-8DDB-B7911F2C8C24}"/>
               </a:ext>
             </a:extLst>
           </p:cNvPr>
@@ -15415,7 +15421,7 @@
           <p:cNvPr id="50" name="직사각형 49">
             <a:extLst>
               <a:ext uri="{FF2B5EF4-FFF2-40B4-BE49-F238E27FC236}">
-                <a16:creationId xmlns="" xmlns:a16="http://schemas.microsoft.com/office/drawing/2014/main" id="{B2429C60-B868-4E9D-BE09-0456DBDF9C69}"/>
+                <a16:creationId xmlns:a16="http://schemas.microsoft.com/office/drawing/2014/main" xmlns="" id="{B2429C60-B868-4E9D-BE09-0456DBDF9C69}"/>
               </a:ext>
             </a:extLst>
           </p:cNvPr>
@@ -15469,7 +15475,7 @@
           <p:cNvPr id="52" name="직사각형 51">
             <a:extLst>
               <a:ext uri="{FF2B5EF4-FFF2-40B4-BE49-F238E27FC236}">
-                <a16:creationId xmlns="" xmlns:a16="http://schemas.microsoft.com/office/drawing/2014/main" id="{4AB15A97-2A6F-41B8-B7E3-FC1FB9179B58}"/>
+                <a16:creationId xmlns:a16="http://schemas.microsoft.com/office/drawing/2014/main" xmlns="" id="{4AB15A97-2A6F-41B8-B7E3-FC1FB9179B58}"/>
               </a:ext>
             </a:extLst>
           </p:cNvPr>
@@ -15521,7 +15527,7 @@
           <p:cNvPr id="57" name="직사각형 56">
             <a:extLst>
               <a:ext uri="{FF2B5EF4-FFF2-40B4-BE49-F238E27FC236}">
-                <a16:creationId xmlns="" xmlns:a16="http://schemas.microsoft.com/office/drawing/2014/main" id="{240CBDB2-1697-4806-931B-72F0BA9D67D0}"/>
+                <a16:creationId xmlns:a16="http://schemas.microsoft.com/office/drawing/2014/main" xmlns="" id="{240CBDB2-1697-4806-931B-72F0BA9D67D0}"/>
               </a:ext>
             </a:extLst>
           </p:cNvPr>
@@ -15573,7 +15579,7 @@
           <p:cNvPr id="58" name="직사각형 57">
             <a:extLst>
               <a:ext uri="{FF2B5EF4-FFF2-40B4-BE49-F238E27FC236}">
-                <a16:creationId xmlns="" xmlns:a16="http://schemas.microsoft.com/office/drawing/2014/main" id="{419058EE-D936-466B-ACEF-AC96FDC87959}"/>
+                <a16:creationId xmlns:a16="http://schemas.microsoft.com/office/drawing/2014/main" xmlns="" id="{419058EE-D936-466B-ACEF-AC96FDC87959}"/>
               </a:ext>
             </a:extLst>
           </p:cNvPr>
@@ -15627,7 +15633,7 @@
           <p:cNvPr id="59" name="직사각형 58">
             <a:extLst>
               <a:ext uri="{FF2B5EF4-FFF2-40B4-BE49-F238E27FC236}">
-                <a16:creationId xmlns="" xmlns:a16="http://schemas.microsoft.com/office/drawing/2014/main" id="{9986CF71-EE1D-4F7B-9451-5F5000EDD713}"/>
+                <a16:creationId xmlns:a16="http://schemas.microsoft.com/office/drawing/2014/main" xmlns="" id="{9986CF71-EE1D-4F7B-9451-5F5000EDD713}"/>
               </a:ext>
             </a:extLst>
           </p:cNvPr>
@@ -15679,7 +15685,7 @@
           <p:cNvPr id="60" name="직사각형 59">
             <a:extLst>
               <a:ext uri="{FF2B5EF4-FFF2-40B4-BE49-F238E27FC236}">
-                <a16:creationId xmlns="" xmlns:a16="http://schemas.microsoft.com/office/drawing/2014/main" id="{CBF9E666-E0D9-478D-9067-D5659ACC1500}"/>
+                <a16:creationId xmlns:a16="http://schemas.microsoft.com/office/drawing/2014/main" xmlns="" id="{CBF9E666-E0D9-478D-9067-D5659ACC1500}"/>
               </a:ext>
             </a:extLst>
           </p:cNvPr>
@@ -15731,7 +15737,7 @@
           <p:cNvPr id="61" name="TextBox 60">
             <a:extLst>
               <a:ext uri="{FF2B5EF4-FFF2-40B4-BE49-F238E27FC236}">
-                <a16:creationId xmlns="" xmlns:a16="http://schemas.microsoft.com/office/drawing/2014/main" id="{4D2DCAF6-ECB6-4BBA-9389-88DFC5253779}"/>
+                <a16:creationId xmlns:a16="http://schemas.microsoft.com/office/drawing/2014/main" xmlns="" id="{4D2DCAF6-ECB6-4BBA-9389-88DFC5253779}"/>
               </a:ext>
             </a:extLst>
           </p:cNvPr>
@@ -15781,7 +15787,7 @@
           <p:cNvPr id="35" name="직사각형 34">
             <a:extLst>
               <a:ext uri="{FF2B5EF4-FFF2-40B4-BE49-F238E27FC236}">
-                <a16:creationId xmlns="" xmlns:a16="http://schemas.microsoft.com/office/drawing/2014/main" id="{CBF9E666-E0D9-478D-9067-D5659ACC1500}"/>
+                <a16:creationId xmlns:a16="http://schemas.microsoft.com/office/drawing/2014/main" xmlns="" id="{CBF9E666-E0D9-478D-9067-D5659ACC1500}"/>
               </a:ext>
             </a:extLst>
           </p:cNvPr>
@@ -15833,7 +15839,7 @@
           <p:cNvPr id="36" name="직사각형 35">
             <a:extLst>
               <a:ext uri="{FF2B5EF4-FFF2-40B4-BE49-F238E27FC236}">
-                <a16:creationId xmlns="" xmlns:a16="http://schemas.microsoft.com/office/drawing/2014/main" id="{CBF9E666-E0D9-478D-9067-D5659ACC1500}"/>
+                <a16:creationId xmlns:a16="http://schemas.microsoft.com/office/drawing/2014/main" xmlns="" id="{CBF9E666-E0D9-478D-9067-D5659ACC1500}"/>
               </a:ext>
             </a:extLst>
           </p:cNvPr>
@@ -15885,7 +15891,7 @@
           <p:cNvPr id="38" name="직사각형 37">
             <a:extLst>
               <a:ext uri="{FF2B5EF4-FFF2-40B4-BE49-F238E27FC236}">
-                <a16:creationId xmlns="" xmlns:a16="http://schemas.microsoft.com/office/drawing/2014/main" id="{B2429C60-B868-4E9D-BE09-0456DBDF9C69}"/>
+                <a16:creationId xmlns:a16="http://schemas.microsoft.com/office/drawing/2014/main" xmlns="" id="{B2429C60-B868-4E9D-BE09-0456DBDF9C69}"/>
               </a:ext>
             </a:extLst>
           </p:cNvPr>
@@ -15944,6 +15950,13 @@
   <p:clrMapOvr>
     <a:masterClrMapping/>
   </p:clrMapOvr>
+  <p:timing>
+    <p:tnLst>
+      <p:par>
+        <p:cTn id="1" dur="indefinite" restart="never" nodeType="tmRoot"/>
+      </p:par>
+    </p:tnLst>
+  </p:timing>
 </p:sld>
 </file>
 
@@ -16266,7 +16279,7 @@
           <p:cNvPr id="11" name="자유형: 도형 14">
             <a:extLst>
               <a:ext uri="{FF2B5EF4-FFF2-40B4-BE49-F238E27FC236}">
-                <a16:creationId xmlns="" xmlns:a16="http://schemas.microsoft.com/office/drawing/2014/main" id="{7C7036B2-9741-4CE3-8B34-B1D00D58C6C0}"/>
+                <a16:creationId xmlns:a16="http://schemas.microsoft.com/office/drawing/2014/main" xmlns="" id="{7C7036B2-9741-4CE3-8B34-B1D00D58C6C0}"/>
               </a:ext>
             </a:extLst>
           </p:cNvPr>
@@ -16379,7 +16392,7 @@
           <p:cNvPr id="12" name="자유형: 도형 12">
             <a:extLst>
               <a:ext uri="{FF2B5EF4-FFF2-40B4-BE49-F238E27FC236}">
-                <a16:creationId xmlns="" xmlns:a16="http://schemas.microsoft.com/office/drawing/2014/main" id="{83BC1BC1-768A-4FF3-B0F7-2504AB2463E1}"/>
+                <a16:creationId xmlns:a16="http://schemas.microsoft.com/office/drawing/2014/main" xmlns="" id="{83BC1BC1-768A-4FF3-B0F7-2504AB2463E1}"/>
               </a:ext>
             </a:extLst>
           </p:cNvPr>
@@ -16502,7 +16515,7 @@
           <p:cNvPr id="13" name="직사각형 12">
             <a:extLst>
               <a:ext uri="{FF2B5EF4-FFF2-40B4-BE49-F238E27FC236}">
-                <a16:creationId xmlns="" xmlns:a16="http://schemas.microsoft.com/office/drawing/2014/main" id="{42DD46FB-78F9-499E-B11B-128CA332B259}"/>
+                <a16:creationId xmlns:a16="http://schemas.microsoft.com/office/drawing/2014/main" xmlns="" id="{42DD46FB-78F9-499E-B11B-128CA332B259}"/>
               </a:ext>
             </a:extLst>
           </p:cNvPr>
@@ -16550,7 +16563,7 @@
           <p:cNvPr id="14" name="직사각형 13">
             <a:extLst>
               <a:ext uri="{FF2B5EF4-FFF2-40B4-BE49-F238E27FC236}">
-                <a16:creationId xmlns="" xmlns:a16="http://schemas.microsoft.com/office/drawing/2014/main" id="{03486F2F-3BC2-44B6-9674-2789396E3EBA}"/>
+                <a16:creationId xmlns:a16="http://schemas.microsoft.com/office/drawing/2014/main" xmlns="" id="{03486F2F-3BC2-44B6-9674-2789396E3EBA}"/>
               </a:ext>
             </a:extLst>
           </p:cNvPr>
@@ -16616,7 +16629,7 @@
           <p:cNvPr id="15" name="Freeform 9">
             <a:extLst>
               <a:ext uri="{FF2B5EF4-FFF2-40B4-BE49-F238E27FC236}">
-                <a16:creationId xmlns="" xmlns:a16="http://schemas.microsoft.com/office/drawing/2014/main" id="{9C7891CF-0CE6-4459-8B48-D99AB7321D43}"/>
+                <a16:creationId xmlns:a16="http://schemas.microsoft.com/office/drawing/2014/main" xmlns="" id="{9C7891CF-0CE6-4459-8B48-D99AB7321D43}"/>
               </a:ext>
             </a:extLst>
           </p:cNvPr>
@@ -17859,6 +17872,13 @@
   <p:clrMapOvr>
     <a:masterClrMapping/>
   </p:clrMapOvr>
+  <p:timing>
+    <p:tnLst>
+      <p:par>
+        <p:cTn id="1" dur="indefinite" restart="never" nodeType="tmRoot"/>
+      </p:par>
+    </p:tnLst>
+  </p:timing>
 </p:sld>
 </file>
 
@@ -17884,7 +17904,7 @@
           <p:cNvPr id="20" name="사각형: 둥근 모서리 19">
             <a:extLst>
               <a:ext uri="{FF2B5EF4-FFF2-40B4-BE49-F238E27FC236}">
-                <a16:creationId xmlns="" xmlns:a16="http://schemas.microsoft.com/office/drawing/2014/main" id="{F2EE495A-7FFB-45B0-93E9-CA11125AB8D2}"/>
+                <a16:creationId xmlns:a16="http://schemas.microsoft.com/office/drawing/2014/main" xmlns="" id="{F2EE495A-7FFB-45B0-93E9-CA11125AB8D2}"/>
               </a:ext>
             </a:extLst>
           </p:cNvPr>
@@ -17942,7 +17962,7 @@
           <p:cNvPr id="15" name="자유형: 도형 14">
             <a:extLst>
               <a:ext uri="{FF2B5EF4-FFF2-40B4-BE49-F238E27FC236}">
-                <a16:creationId xmlns="" xmlns:a16="http://schemas.microsoft.com/office/drawing/2014/main" id="{7C7036B2-9741-4CE3-8B34-B1D00D58C6C0}"/>
+                <a16:creationId xmlns:a16="http://schemas.microsoft.com/office/drawing/2014/main" xmlns="" id="{7C7036B2-9741-4CE3-8B34-B1D00D58C6C0}"/>
               </a:ext>
             </a:extLst>
           </p:cNvPr>
@@ -18055,7 +18075,7 @@
           <p:cNvPr id="13" name="자유형: 도형 12">
             <a:extLst>
               <a:ext uri="{FF2B5EF4-FFF2-40B4-BE49-F238E27FC236}">
-                <a16:creationId xmlns="" xmlns:a16="http://schemas.microsoft.com/office/drawing/2014/main" id="{83BC1BC1-768A-4FF3-B0F7-2504AB2463E1}"/>
+                <a16:creationId xmlns:a16="http://schemas.microsoft.com/office/drawing/2014/main" xmlns="" id="{83BC1BC1-768A-4FF3-B0F7-2504AB2463E1}"/>
               </a:ext>
             </a:extLst>
           </p:cNvPr>
@@ -18178,7 +18198,7 @@
           <p:cNvPr id="17" name="직사각형 16">
             <a:extLst>
               <a:ext uri="{FF2B5EF4-FFF2-40B4-BE49-F238E27FC236}">
-                <a16:creationId xmlns="" xmlns:a16="http://schemas.microsoft.com/office/drawing/2014/main" id="{42DD46FB-78F9-499E-B11B-128CA332B259}"/>
+                <a16:creationId xmlns:a16="http://schemas.microsoft.com/office/drawing/2014/main" xmlns="" id="{42DD46FB-78F9-499E-B11B-128CA332B259}"/>
               </a:ext>
             </a:extLst>
           </p:cNvPr>
@@ -18233,7 +18253,7 @@
           <p:cNvPr id="5" name="직사각형 4">
             <a:extLst>
               <a:ext uri="{FF2B5EF4-FFF2-40B4-BE49-F238E27FC236}">
-                <a16:creationId xmlns="" xmlns:a16="http://schemas.microsoft.com/office/drawing/2014/main" id="{03486F2F-3BC2-44B6-9674-2789396E3EBA}"/>
+                <a16:creationId xmlns:a16="http://schemas.microsoft.com/office/drawing/2014/main" xmlns="" id="{03486F2F-3BC2-44B6-9674-2789396E3EBA}"/>
               </a:ext>
             </a:extLst>
           </p:cNvPr>
@@ -18299,7 +18319,7 @@
           <p:cNvPr id="11" name="Freeform 9">
             <a:extLst>
               <a:ext uri="{FF2B5EF4-FFF2-40B4-BE49-F238E27FC236}">
-                <a16:creationId xmlns="" xmlns:a16="http://schemas.microsoft.com/office/drawing/2014/main" id="{9C7891CF-0CE6-4459-8B48-D99AB7321D43}"/>
+                <a16:creationId xmlns:a16="http://schemas.microsoft.com/office/drawing/2014/main" xmlns="" id="{9C7891CF-0CE6-4459-8B48-D99AB7321D43}"/>
               </a:ext>
             </a:extLst>
           </p:cNvPr>
@@ -19248,7 +19268,7 @@
           <p:cNvPr id="12" name="사각형: 둥근 모서리 20">
             <a:extLst>
               <a:ext uri="{FF2B5EF4-FFF2-40B4-BE49-F238E27FC236}">
-                <a16:creationId xmlns="" xmlns:a16="http://schemas.microsoft.com/office/drawing/2014/main" id="{0616D4E1-6E71-EA4F-9CE6-79B63B7A69CE}"/>
+                <a16:creationId xmlns:a16="http://schemas.microsoft.com/office/drawing/2014/main" xmlns="" id="{0616D4E1-6E71-EA4F-9CE6-79B63B7A69CE}"/>
               </a:ext>
             </a:extLst>
           </p:cNvPr>
@@ -19306,7 +19326,7 @@
           <p:cNvPr id="3" name="직사각형 2">
             <a:extLst>
               <a:ext uri="{FF2B5EF4-FFF2-40B4-BE49-F238E27FC236}">
-                <a16:creationId xmlns="" xmlns:a16="http://schemas.microsoft.com/office/drawing/2014/main" id="{BA4ACA87-6D96-AE46-8FC3-9B1A9BD0C292}"/>
+                <a16:creationId xmlns:a16="http://schemas.microsoft.com/office/drawing/2014/main" xmlns="" id="{BA4ACA87-6D96-AE46-8FC3-9B1A9BD0C292}"/>
               </a:ext>
             </a:extLst>
           </p:cNvPr>
@@ -19360,7 +19380,7 @@
           <p:cNvPr id="24" name="직사각형 23">
             <a:extLst>
               <a:ext uri="{FF2B5EF4-FFF2-40B4-BE49-F238E27FC236}">
-                <a16:creationId xmlns="" xmlns:a16="http://schemas.microsoft.com/office/drawing/2014/main" id="{E5FEE5AB-D58B-844B-8FDD-5A0A95DF5736}"/>
+                <a16:creationId xmlns:a16="http://schemas.microsoft.com/office/drawing/2014/main" xmlns="" id="{E5FEE5AB-D58B-844B-8FDD-5A0A95DF5736}"/>
               </a:ext>
             </a:extLst>
           </p:cNvPr>
@@ -19414,7 +19434,7 @@
           <p:cNvPr id="22" name="직사각형 21">
             <a:extLst>
               <a:ext uri="{FF2B5EF4-FFF2-40B4-BE49-F238E27FC236}">
-                <a16:creationId xmlns="" xmlns:a16="http://schemas.microsoft.com/office/drawing/2014/main" id="{D62E15C4-0C3D-0F4C-B70E-64D9ACB2B427}"/>
+                <a16:creationId xmlns:a16="http://schemas.microsoft.com/office/drawing/2014/main" xmlns="" id="{D62E15C4-0C3D-0F4C-B70E-64D9ACB2B427}"/>
               </a:ext>
             </a:extLst>
           </p:cNvPr>
@@ -19464,7 +19484,7 @@
           <p:cNvPr id="27" name="직사각형 26">
             <a:extLst>
               <a:ext uri="{FF2B5EF4-FFF2-40B4-BE49-F238E27FC236}">
-                <a16:creationId xmlns="" xmlns:a16="http://schemas.microsoft.com/office/drawing/2014/main" id="{D62E15C4-0C3D-0F4C-B70E-64D9ACB2B427}"/>
+                <a16:creationId xmlns:a16="http://schemas.microsoft.com/office/drawing/2014/main" xmlns="" id="{D62E15C4-0C3D-0F4C-B70E-64D9ACB2B427}"/>
               </a:ext>
             </a:extLst>
           </p:cNvPr>
@@ -19525,6 +19545,13 @@
   <p:clrMapOvr>
     <a:masterClrMapping/>
   </p:clrMapOvr>
+  <p:timing>
+    <p:tnLst>
+      <p:par>
+        <p:cTn id="1" dur="indefinite" restart="never" nodeType="tmRoot"/>
+      </p:par>
+    </p:tnLst>
+  </p:timing>
 </p:sld>
 </file>
 
@@ -19550,7 +19577,7 @@
           <p:cNvPr id="15" name="자유형: 도형 14">
             <a:extLst>
               <a:ext uri="{FF2B5EF4-FFF2-40B4-BE49-F238E27FC236}">
-                <a16:creationId xmlns="" xmlns:a16="http://schemas.microsoft.com/office/drawing/2014/main" id="{7C7036B2-9741-4CE3-8B34-B1D00D58C6C0}"/>
+                <a16:creationId xmlns:a16="http://schemas.microsoft.com/office/drawing/2014/main" xmlns="" id="{7C7036B2-9741-4CE3-8B34-B1D00D58C6C0}"/>
               </a:ext>
             </a:extLst>
           </p:cNvPr>
@@ -19663,7 +19690,7 @@
           <p:cNvPr id="13" name="자유형: 도형 12">
             <a:extLst>
               <a:ext uri="{FF2B5EF4-FFF2-40B4-BE49-F238E27FC236}">
-                <a16:creationId xmlns="" xmlns:a16="http://schemas.microsoft.com/office/drawing/2014/main" id="{83BC1BC1-768A-4FF3-B0F7-2504AB2463E1}"/>
+                <a16:creationId xmlns:a16="http://schemas.microsoft.com/office/drawing/2014/main" xmlns="" id="{83BC1BC1-768A-4FF3-B0F7-2504AB2463E1}"/>
               </a:ext>
             </a:extLst>
           </p:cNvPr>
@@ -19786,7 +19813,7 @@
           <p:cNvPr id="17" name="직사각형 16">
             <a:extLst>
               <a:ext uri="{FF2B5EF4-FFF2-40B4-BE49-F238E27FC236}">
-                <a16:creationId xmlns="" xmlns:a16="http://schemas.microsoft.com/office/drawing/2014/main" id="{42DD46FB-78F9-499E-B11B-128CA332B259}"/>
+                <a16:creationId xmlns:a16="http://schemas.microsoft.com/office/drawing/2014/main" xmlns="" id="{42DD46FB-78F9-499E-B11B-128CA332B259}"/>
               </a:ext>
             </a:extLst>
           </p:cNvPr>
@@ -19863,7 +19890,7 @@
           <p:cNvPr id="5" name="직사각형 4">
             <a:extLst>
               <a:ext uri="{FF2B5EF4-FFF2-40B4-BE49-F238E27FC236}">
-                <a16:creationId xmlns="" xmlns:a16="http://schemas.microsoft.com/office/drawing/2014/main" id="{03486F2F-3BC2-44B6-9674-2789396E3EBA}"/>
+                <a16:creationId xmlns:a16="http://schemas.microsoft.com/office/drawing/2014/main" xmlns="" id="{03486F2F-3BC2-44B6-9674-2789396E3EBA}"/>
               </a:ext>
             </a:extLst>
           </p:cNvPr>
@@ -19929,7 +19956,7 @@
           <p:cNvPr id="11" name="Freeform 9">
             <a:extLst>
               <a:ext uri="{FF2B5EF4-FFF2-40B4-BE49-F238E27FC236}">
-                <a16:creationId xmlns="" xmlns:a16="http://schemas.microsoft.com/office/drawing/2014/main" id="{9C7891CF-0CE6-4459-8B48-D99AB7321D43}"/>
+                <a16:creationId xmlns:a16="http://schemas.microsoft.com/office/drawing/2014/main" xmlns="" id="{9C7891CF-0CE6-4459-8B48-D99AB7321D43}"/>
               </a:ext>
             </a:extLst>
           </p:cNvPr>
@@ -20878,7 +20905,7 @@
           <p:cNvPr id="31" name="직사각형 30">
             <a:extLst>
               <a:ext uri="{FF2B5EF4-FFF2-40B4-BE49-F238E27FC236}">
-                <a16:creationId xmlns="" xmlns:a16="http://schemas.microsoft.com/office/drawing/2014/main" id="{3C9D2C5A-EF35-9247-93B5-CA6574F5199E}"/>
+                <a16:creationId xmlns:a16="http://schemas.microsoft.com/office/drawing/2014/main" xmlns="" id="{3C9D2C5A-EF35-9247-93B5-CA6574F5199E}"/>
               </a:ext>
             </a:extLst>
           </p:cNvPr>
@@ -20986,7 +21013,7 @@
           <p:cNvPr id="6" name="TextBox 5">
             <a:extLst>
               <a:ext uri="{FF2B5EF4-FFF2-40B4-BE49-F238E27FC236}">
-                <a16:creationId xmlns="" xmlns:a16="http://schemas.microsoft.com/office/drawing/2014/main" id="{96D313AF-7BD0-4E43-9456-D2AD41F9D660}"/>
+                <a16:creationId xmlns:a16="http://schemas.microsoft.com/office/drawing/2014/main" xmlns="" id="{96D313AF-7BD0-4E43-9456-D2AD41F9D660}"/>
               </a:ext>
             </a:extLst>
           </p:cNvPr>
@@ -21048,7 +21075,7 @@
           <p:cNvPr id="12" name="그림 11" descr="잔디, 녹색이(가) 표시된 사진&#10;&#10;자동 생성된 설명">
             <a:extLst>
               <a:ext uri="{FF2B5EF4-FFF2-40B4-BE49-F238E27FC236}">
-                <a16:creationId xmlns="" xmlns:a16="http://schemas.microsoft.com/office/drawing/2014/main" id="{272558A3-28BE-1740-AED4-2F8E911AC27A}"/>
+                <a16:creationId xmlns:a16="http://schemas.microsoft.com/office/drawing/2014/main" xmlns="" id="{272558A3-28BE-1740-AED4-2F8E911AC27A}"/>
               </a:ext>
             </a:extLst>
           </p:cNvPr>
@@ -21084,7 +21111,7 @@
           <p:cNvPr id="3" name="그래픽 2" descr="아래쪽 화살표 단색으로 채워진">
             <a:extLst>
               <a:ext uri="{FF2B5EF4-FFF2-40B4-BE49-F238E27FC236}">
-                <a16:creationId xmlns="" xmlns:a16="http://schemas.microsoft.com/office/drawing/2014/main" id="{6B2F4D79-AB46-3B4A-AB9C-045C56268E96}"/>
+                <a16:creationId xmlns:a16="http://schemas.microsoft.com/office/drawing/2014/main" xmlns="" id="{6B2F4D79-AB46-3B4A-AB9C-045C56268E96}"/>
               </a:ext>
             </a:extLst>
           </p:cNvPr>
@@ -21100,7 +21127,7 @@
                 <a14:useLocalDpi xmlns:a14="http://schemas.microsoft.com/office/drawing/2010/main" val="0"/>
               </a:ext>
               <a:ext uri="{96DAC541-7B7A-43D3-8B79-37D633B846F1}">
-                <asvg:svgBlip xmlns="" xmlns:asvg="http://schemas.microsoft.com/office/drawing/2016/SVG/main" r:embed="rId5"/>
+                <asvg:svgBlip xmlns:asvg="http://schemas.microsoft.com/office/drawing/2016/SVG/main" xmlns="" r:embed="rId5"/>
               </a:ext>
             </a:extLst>
           </a:blip>
@@ -21123,7 +21150,7 @@
           <p:cNvPr id="2" name="슬라이드 번호 개체 틀 1">
             <a:extLst>
               <a:ext uri="{FF2B5EF4-FFF2-40B4-BE49-F238E27FC236}">
-                <a16:creationId xmlns="" xmlns:a16="http://schemas.microsoft.com/office/drawing/2014/main" id="{09A2C64E-F411-F84B-AF23-1D41CAEA12F6}"/>
+                <a16:creationId xmlns:a16="http://schemas.microsoft.com/office/drawing/2014/main" xmlns="" id="{09A2C64E-F411-F84B-AF23-1D41CAEA12F6}"/>
               </a:ext>
             </a:extLst>
           </p:cNvPr>
@@ -21165,7 +21192,7 @@
           <p:cNvPr id="16" name="직사각형 15">
             <a:extLst>
               <a:ext uri="{FF2B5EF4-FFF2-40B4-BE49-F238E27FC236}">
-                <a16:creationId xmlns="" xmlns:a16="http://schemas.microsoft.com/office/drawing/2014/main" id="{809C683F-3767-F64A-BCE4-CA5FAF5C9649}"/>
+                <a16:creationId xmlns:a16="http://schemas.microsoft.com/office/drawing/2014/main" xmlns="" id="{809C683F-3767-F64A-BCE4-CA5FAF5C9649}"/>
               </a:ext>
             </a:extLst>
           </p:cNvPr>
@@ -21225,7 +21252,7 @@
           <p:cNvPr id="20" name="Picture 4" descr="IPB Image">
             <a:extLst>
               <a:ext uri="{FF2B5EF4-FFF2-40B4-BE49-F238E27FC236}">
-                <a16:creationId xmlns="" xmlns:a16="http://schemas.microsoft.com/office/drawing/2014/main" id="{6ADC3A72-BFFE-514D-9B90-C65B997563AE}"/>
+                <a16:creationId xmlns:a16="http://schemas.microsoft.com/office/drawing/2014/main" xmlns="" id="{6ADC3A72-BFFE-514D-9B90-C65B997563AE}"/>
               </a:ext>
             </a:extLst>
           </p:cNvPr>
@@ -21272,7 +21299,7 @@
           <p:cNvPr id="21" name="TextBox 20">
             <a:extLst>
               <a:ext uri="{FF2B5EF4-FFF2-40B4-BE49-F238E27FC236}">
-                <a16:creationId xmlns="" xmlns:a16="http://schemas.microsoft.com/office/drawing/2014/main" id="{BC644511-CC1A-0B4F-93BD-585D934C3B07}"/>
+                <a16:creationId xmlns:a16="http://schemas.microsoft.com/office/drawing/2014/main" xmlns="" id="{BC644511-CC1A-0B4F-93BD-585D934C3B07}"/>
               </a:ext>
             </a:extLst>
           </p:cNvPr>
@@ -21374,7 +21401,7 @@
           <p:cNvPr id="22" name="그래픽 21" descr="아래쪽 화살표 단색으로 채워진">
             <a:extLst>
               <a:ext uri="{FF2B5EF4-FFF2-40B4-BE49-F238E27FC236}">
-                <a16:creationId xmlns="" xmlns:a16="http://schemas.microsoft.com/office/drawing/2014/main" id="{A4A106D9-30E4-514D-9261-A9297391137B}"/>
+                <a16:creationId xmlns:a16="http://schemas.microsoft.com/office/drawing/2014/main" xmlns="" id="{A4A106D9-30E4-514D-9261-A9297391137B}"/>
               </a:ext>
             </a:extLst>
           </p:cNvPr>
@@ -21390,7 +21417,7 @@
                 <a14:useLocalDpi xmlns:a14="http://schemas.microsoft.com/office/drawing/2010/main" val="0"/>
               </a:ext>
               <a:ext uri="{96DAC541-7B7A-43D3-8B79-37D633B846F1}">
-                <asvg:svgBlip xmlns="" xmlns:asvg="http://schemas.microsoft.com/office/drawing/2016/SVG/main" r:embed="rId5"/>
+                <asvg:svgBlip xmlns:asvg="http://schemas.microsoft.com/office/drawing/2016/SVG/main" xmlns="" r:embed="rId5"/>
               </a:ext>
             </a:extLst>
           </a:blip>
@@ -21418,6 +21445,13 @@
   <p:clrMapOvr>
     <a:masterClrMapping/>
   </p:clrMapOvr>
+  <p:timing>
+    <p:tnLst>
+      <p:par>
+        <p:cTn id="1" dur="indefinite" restart="never" nodeType="tmRoot"/>
+      </p:par>
+    </p:tnLst>
+  </p:timing>
 </p:sld>
 </file>
 
@@ -21443,7 +21477,7 @@
           <p:cNvPr id="15" name="자유형: 도형 14">
             <a:extLst>
               <a:ext uri="{FF2B5EF4-FFF2-40B4-BE49-F238E27FC236}">
-                <a16:creationId xmlns="" xmlns:a16="http://schemas.microsoft.com/office/drawing/2014/main" id="{7C7036B2-9741-4CE3-8B34-B1D00D58C6C0}"/>
+                <a16:creationId xmlns:a16="http://schemas.microsoft.com/office/drawing/2014/main" xmlns="" id="{7C7036B2-9741-4CE3-8B34-B1D00D58C6C0}"/>
               </a:ext>
             </a:extLst>
           </p:cNvPr>
@@ -21556,7 +21590,7 @@
           <p:cNvPr id="13" name="자유형: 도형 12">
             <a:extLst>
               <a:ext uri="{FF2B5EF4-FFF2-40B4-BE49-F238E27FC236}">
-                <a16:creationId xmlns="" xmlns:a16="http://schemas.microsoft.com/office/drawing/2014/main" id="{83BC1BC1-768A-4FF3-B0F7-2504AB2463E1}"/>
+                <a16:creationId xmlns:a16="http://schemas.microsoft.com/office/drawing/2014/main" xmlns="" id="{83BC1BC1-768A-4FF3-B0F7-2504AB2463E1}"/>
               </a:ext>
             </a:extLst>
           </p:cNvPr>
@@ -21679,7 +21713,7 @@
           <p:cNvPr id="17" name="직사각형 16">
             <a:extLst>
               <a:ext uri="{FF2B5EF4-FFF2-40B4-BE49-F238E27FC236}">
-                <a16:creationId xmlns="" xmlns:a16="http://schemas.microsoft.com/office/drawing/2014/main" id="{42DD46FB-78F9-499E-B11B-128CA332B259}"/>
+                <a16:creationId xmlns:a16="http://schemas.microsoft.com/office/drawing/2014/main" xmlns="" id="{42DD46FB-78F9-499E-B11B-128CA332B259}"/>
               </a:ext>
             </a:extLst>
           </p:cNvPr>
@@ -21734,7 +21768,7 @@
           <p:cNvPr id="5" name="직사각형 4">
             <a:extLst>
               <a:ext uri="{FF2B5EF4-FFF2-40B4-BE49-F238E27FC236}">
-                <a16:creationId xmlns="" xmlns:a16="http://schemas.microsoft.com/office/drawing/2014/main" id="{03486F2F-3BC2-44B6-9674-2789396E3EBA}"/>
+                <a16:creationId xmlns:a16="http://schemas.microsoft.com/office/drawing/2014/main" xmlns="" id="{03486F2F-3BC2-44B6-9674-2789396E3EBA}"/>
               </a:ext>
             </a:extLst>
           </p:cNvPr>
@@ -21800,7 +21834,7 @@
           <p:cNvPr id="11" name="Freeform 9">
             <a:extLst>
               <a:ext uri="{FF2B5EF4-FFF2-40B4-BE49-F238E27FC236}">
-                <a16:creationId xmlns="" xmlns:a16="http://schemas.microsoft.com/office/drawing/2014/main" id="{9C7891CF-0CE6-4459-8B48-D99AB7321D43}"/>
+                <a16:creationId xmlns:a16="http://schemas.microsoft.com/office/drawing/2014/main" xmlns="" id="{9C7891CF-0CE6-4459-8B48-D99AB7321D43}"/>
               </a:ext>
             </a:extLst>
           </p:cNvPr>
@@ -22749,7 +22783,7 @@
           <p:cNvPr id="2" name="슬라이드 번호 개체 틀 1">
             <a:extLst>
               <a:ext uri="{FF2B5EF4-FFF2-40B4-BE49-F238E27FC236}">
-                <a16:creationId xmlns="" xmlns:a16="http://schemas.microsoft.com/office/drawing/2014/main" id="{7FB3CD66-F43D-8F4A-ABD7-5E02A97F5988}"/>
+                <a16:creationId xmlns:a16="http://schemas.microsoft.com/office/drawing/2014/main" xmlns="" id="{7FB3CD66-F43D-8F4A-ABD7-5E02A97F5988}"/>
               </a:ext>
             </a:extLst>
           </p:cNvPr>
@@ -22791,7 +22825,7 @@
           <p:cNvPr id="30" name="직사각형 29">
             <a:extLst>
               <a:ext uri="{FF2B5EF4-FFF2-40B4-BE49-F238E27FC236}">
-                <a16:creationId xmlns="" xmlns:a16="http://schemas.microsoft.com/office/drawing/2014/main" id="{7C852252-E3AD-40BC-8353-211A5F87B2CB}"/>
+                <a16:creationId xmlns:a16="http://schemas.microsoft.com/office/drawing/2014/main" xmlns="" id="{7C852252-E3AD-40BC-8353-211A5F87B2CB}"/>
               </a:ext>
             </a:extLst>
           </p:cNvPr>
@@ -22847,7 +22881,7 @@
           <p:cNvPr id="12" name="그림 13" descr="지도이(가) 표시된 사진&#10;&#10;자동 생성된 설명">
             <a:extLst>
               <a:ext uri="{FF2B5EF4-FFF2-40B4-BE49-F238E27FC236}">
-                <a16:creationId xmlns="" xmlns:a16="http://schemas.microsoft.com/office/drawing/2014/main" id="{E95897D2-8F47-41E4-AEF5-6BA94F65FBCF}"/>
+                <a16:creationId xmlns:a16="http://schemas.microsoft.com/office/drawing/2014/main" xmlns="" id="{E95897D2-8F47-41E4-AEF5-6BA94F65FBCF}"/>
               </a:ext>
             </a:extLst>
           </p:cNvPr>
@@ -22865,7 +22899,7 @@
         <p:spPr>
           <a:xfrm>
             <a:off x="913171" y="2470380"/>
-            <a:ext cx="4874312" cy="3326523"/>
+            <a:ext cx="3268536" cy="3326523"/>
           </a:xfrm>
           <a:prstGeom prst="rect">
             <a:avLst/>
@@ -22895,8 +22929,8 @@
         </p:blipFill>
         <p:spPr bwMode="auto">
           <a:xfrm>
-            <a:off x="6278138" y="2470380"/>
-            <a:ext cx="4650058" cy="3288430"/>
+            <a:off x="4181706" y="2470379"/>
+            <a:ext cx="3847171" cy="3326523"/>
           </a:xfrm>
           <a:prstGeom prst="rect">
             <a:avLst/>
@@ -22913,6 +22947,175 @@
           </a:extLst>
         </p:spPr>
       </p:pic>
+      <p:pic>
+        <p:nvPicPr>
+          <p:cNvPr id="14" name="Picture 2" descr="나의일기 :: 유리 깨지는 꿈 알아보기"/>
+          <p:cNvPicPr>
+            <a:picLocks noChangeAspect="1" noChangeArrowheads="1"/>
+          </p:cNvPicPr>
+          <p:nvPr/>
+        </p:nvPicPr>
+        <p:blipFill>
+          <a:blip r:embed="rId5">
+            <a:extLst>
+              <a:ext uri="{28A0092B-C50C-407E-A947-70E740481C1C}">
+                <a14:useLocalDpi xmlns:a14="http://schemas.microsoft.com/office/drawing/2010/main" val="0"/>
+              </a:ext>
+            </a:extLst>
+          </a:blip>
+          <a:srcRect/>
+          <a:stretch>
+            <a:fillRect/>
+          </a:stretch>
+        </p:blipFill>
+        <p:spPr bwMode="auto">
+          <a:xfrm>
+            <a:off x="8028876" y="2470379"/>
+            <a:ext cx="3389973" cy="3326523"/>
+          </a:xfrm>
+          <a:prstGeom prst="rect">
+            <a:avLst/>
+          </a:prstGeom>
+          <a:noFill/>
+          <a:extLst>
+            <a:ext uri="{909E8E84-426E-40DD-AFC4-6F175D3DCCD1}">
+              <a14:hiddenFill xmlns:a14="http://schemas.microsoft.com/office/drawing/2010/main">
+                <a:solidFill>
+                  <a:srgbClr val="FFFFFF"/>
+                </a:solidFill>
+              </a14:hiddenFill>
+            </a:ext>
+          </a:extLst>
+        </p:spPr>
+      </p:pic>
+      <p:pic>
+        <p:nvPicPr>
+          <p:cNvPr id="1026" name="Picture 2"/>
+          <p:cNvPicPr>
+            <a:picLocks noChangeAspect="1" noChangeArrowheads="1"/>
+          </p:cNvPicPr>
+          <p:nvPr/>
+        </p:nvPicPr>
+        <p:blipFill>
+          <a:blip r:embed="rId6">
+            <a:extLst>
+              <a:ext uri="{28A0092B-C50C-407E-A947-70E740481C1C}">
+                <a14:useLocalDpi xmlns:a14="http://schemas.microsoft.com/office/drawing/2010/main" val="0"/>
+              </a:ext>
+            </a:extLst>
+          </a:blip>
+          <a:srcRect/>
+          <a:stretch>
+            <a:fillRect/>
+          </a:stretch>
+        </p:blipFill>
+        <p:spPr bwMode="auto">
+          <a:xfrm>
+            <a:off x="913171" y="2470380"/>
+            <a:ext cx="3268535" cy="3326523"/>
+          </a:xfrm>
+          <a:prstGeom prst="rect">
+            <a:avLst/>
+          </a:prstGeom>
+          <a:noFill/>
+          <a:ln>
+            <a:noFill/>
+          </a:ln>
+          <a:effectLst/>
+          <a:extLst>
+            <a:ext uri="{909E8E84-426E-40DD-AFC4-6F175D3DCCD1}">
+              <a14:hiddenFill xmlns:a14="http://schemas.microsoft.com/office/drawing/2010/main">
+                <a:solidFill>
+                  <a:schemeClr val="accent1"/>
+                </a:solidFill>
+              </a14:hiddenFill>
+            </a:ext>
+            <a:ext uri="{91240B29-F687-4F45-9708-019B960494DF}">
+              <a14:hiddenLine xmlns:a14="http://schemas.microsoft.com/office/drawing/2010/main" w="9525">
+                <a:solidFill>
+                  <a:schemeClr val="tx1"/>
+                </a:solidFill>
+                <a:miter lim="800000"/>
+                <a:headEnd/>
+                <a:tailEnd/>
+              </a14:hiddenLine>
+            </a:ext>
+            <a:ext uri="{AF507438-7753-43E0-B8FC-AC1667EBCBE1}">
+              <a14:hiddenEffects xmlns:a14="http://schemas.microsoft.com/office/drawing/2010/main">
+                <a:effectLst>
+                  <a:outerShdw dist="35921" dir="2700000" algn="ctr" rotWithShape="0">
+                    <a:schemeClr val="bg2"/>
+                  </a:outerShdw>
+                </a:effectLst>
+              </a14:hiddenEffects>
+            </a:ext>
+          </a:extLst>
+        </p:spPr>
+      </p:pic>
+      <p:pic>
+        <p:nvPicPr>
+          <p:cNvPr id="1027" name="Picture 3"/>
+          <p:cNvPicPr>
+            <a:picLocks noChangeAspect="1" noChangeArrowheads="1"/>
+          </p:cNvPicPr>
+          <p:nvPr/>
+        </p:nvPicPr>
+        <p:blipFill>
+          <a:blip r:embed="rId7">
+            <a:extLst>
+              <a:ext uri="{28A0092B-C50C-407E-A947-70E740481C1C}">
+                <a14:useLocalDpi xmlns:a14="http://schemas.microsoft.com/office/drawing/2010/main" val="0"/>
+              </a:ext>
+            </a:extLst>
+          </a:blip>
+          <a:srcRect/>
+          <a:stretch>
+            <a:fillRect/>
+          </a:stretch>
+        </p:blipFill>
+        <p:spPr bwMode="auto">
+          <a:xfrm>
+            <a:off x="4181706" y="2470380"/>
+            <a:ext cx="3847169" cy="3326522"/>
+          </a:xfrm>
+          <a:prstGeom prst="rect">
+            <a:avLst/>
+          </a:prstGeom>
+          <a:noFill/>
+          <a:ln>
+            <a:noFill/>
+          </a:ln>
+          <a:effectLst/>
+          <a:extLst>
+            <a:ext uri="{909E8E84-426E-40DD-AFC4-6F175D3DCCD1}">
+              <a14:hiddenFill xmlns:a14="http://schemas.microsoft.com/office/drawing/2010/main">
+                <a:solidFill>
+                  <a:schemeClr val="accent1"/>
+                </a:solidFill>
+              </a14:hiddenFill>
+            </a:ext>
+            <a:ext uri="{91240B29-F687-4F45-9708-019B960494DF}">
+              <a14:hiddenLine xmlns:a14="http://schemas.microsoft.com/office/drawing/2010/main" w="9525">
+                <a:solidFill>
+                  <a:schemeClr val="tx1"/>
+                </a:solidFill>
+                <a:miter lim="800000"/>
+                <a:headEnd/>
+                <a:tailEnd/>
+              </a14:hiddenLine>
+            </a:ext>
+            <a:ext uri="{AF507438-7753-43E0-B8FC-AC1667EBCBE1}">
+              <a14:hiddenEffects xmlns:a14="http://schemas.microsoft.com/office/drawing/2010/main">
+                <a:effectLst>
+                  <a:outerShdw dist="35921" dir="2700000" algn="ctr" rotWithShape="0">
+                    <a:schemeClr val="bg2"/>
+                  </a:outerShdw>
+                </a:effectLst>
+              </a14:hiddenEffects>
+            </a:ext>
+          </a:extLst>
+        </p:spPr>
+      </p:pic>
     </p:spTree>
     <p:extLst>
       <p:ext uri="{BB962C8B-B14F-4D97-AF65-F5344CB8AC3E}">
@@ -22923,6 +23126,13 @@
   <p:clrMapOvr>
     <a:masterClrMapping/>
   </p:clrMapOvr>
+  <p:timing>
+    <p:tnLst>
+      <p:par>
+        <p:cTn id="1" dur="indefinite" restart="never" nodeType="tmRoot"/>
+      </p:par>
+    </p:tnLst>
+  </p:timing>
 </p:sld>
 </file>
 
@@ -23048,7 +23258,7 @@
           <p:cNvPr id="6" name="자유형: 도형 14">
             <a:extLst>
               <a:ext uri="{FF2B5EF4-FFF2-40B4-BE49-F238E27FC236}">
-                <a16:creationId xmlns="" xmlns:a16="http://schemas.microsoft.com/office/drawing/2014/main" id="{7C7036B2-9741-4CE3-8B34-B1D00D58C6C0}"/>
+                <a16:creationId xmlns:a16="http://schemas.microsoft.com/office/drawing/2014/main" xmlns="" id="{7C7036B2-9741-4CE3-8B34-B1D00D58C6C0}"/>
               </a:ext>
             </a:extLst>
           </p:cNvPr>
@@ -23161,7 +23371,7 @@
           <p:cNvPr id="7" name="자유형: 도형 12">
             <a:extLst>
               <a:ext uri="{FF2B5EF4-FFF2-40B4-BE49-F238E27FC236}">
-                <a16:creationId xmlns="" xmlns:a16="http://schemas.microsoft.com/office/drawing/2014/main" id="{83BC1BC1-768A-4FF3-B0F7-2504AB2463E1}"/>
+                <a16:creationId xmlns:a16="http://schemas.microsoft.com/office/drawing/2014/main" xmlns="" id="{83BC1BC1-768A-4FF3-B0F7-2504AB2463E1}"/>
               </a:ext>
             </a:extLst>
           </p:cNvPr>
@@ -23284,7 +23494,7 @@
           <p:cNvPr id="8" name="직사각형 7">
             <a:extLst>
               <a:ext uri="{FF2B5EF4-FFF2-40B4-BE49-F238E27FC236}">
-                <a16:creationId xmlns="" xmlns:a16="http://schemas.microsoft.com/office/drawing/2014/main" id="{42DD46FB-78F9-499E-B11B-128CA332B259}"/>
+                <a16:creationId xmlns:a16="http://schemas.microsoft.com/office/drawing/2014/main" xmlns="" id="{42DD46FB-78F9-499E-B11B-128CA332B259}"/>
               </a:ext>
             </a:extLst>
           </p:cNvPr>
@@ -23339,7 +23549,7 @@
           <p:cNvPr id="9" name="직사각형 8">
             <a:extLst>
               <a:ext uri="{FF2B5EF4-FFF2-40B4-BE49-F238E27FC236}">
-                <a16:creationId xmlns="" xmlns:a16="http://schemas.microsoft.com/office/drawing/2014/main" id="{03486F2F-3BC2-44B6-9674-2789396E3EBA}"/>
+                <a16:creationId xmlns:a16="http://schemas.microsoft.com/office/drawing/2014/main" xmlns="" id="{03486F2F-3BC2-44B6-9674-2789396E3EBA}"/>
               </a:ext>
             </a:extLst>
           </p:cNvPr>
@@ -23405,7 +23615,7 @@
           <p:cNvPr id="10" name="Freeform 9">
             <a:extLst>
               <a:ext uri="{FF2B5EF4-FFF2-40B4-BE49-F238E27FC236}">
-                <a16:creationId xmlns="" xmlns:a16="http://schemas.microsoft.com/office/drawing/2014/main" id="{9C7891CF-0CE6-4459-8B48-D99AB7321D43}"/>
+                <a16:creationId xmlns:a16="http://schemas.microsoft.com/office/drawing/2014/main" xmlns="" id="{9C7891CF-0CE6-4459-8B48-D99AB7321D43}"/>
               </a:ext>
             </a:extLst>
           </p:cNvPr>
@@ -24354,7 +24564,7 @@
           <p:cNvPr id="11" name="직사각형 10">
             <a:extLst>
               <a:ext uri="{FF2B5EF4-FFF2-40B4-BE49-F238E27FC236}">
-                <a16:creationId xmlns="" xmlns:a16="http://schemas.microsoft.com/office/drawing/2014/main" id="{7C852252-E3AD-40BC-8353-211A5F87B2CB}"/>
+                <a16:creationId xmlns:a16="http://schemas.microsoft.com/office/drawing/2014/main" xmlns="" id="{7C852252-E3AD-40BC-8353-211A5F87B2CB}"/>
               </a:ext>
             </a:extLst>
           </p:cNvPr>
@@ -24403,1443 +24613,13 @@
   <p:clrMapOvr>
     <a:masterClrMapping/>
   </p:clrMapOvr>
-</p:sld>
-</file>
-
-<file path=ppt/slides/slide8.xml><?xml version="1.0" encoding="utf-8"?>
-<p:sld xmlns:a="http://schemas.openxmlformats.org/drawingml/2006/main" xmlns:r="http://schemas.openxmlformats.org/officeDocument/2006/relationships" xmlns:p="http://schemas.openxmlformats.org/presentationml/2006/main">
-  <p:cSld>
-    <p:spTree>
-      <p:nvGrpSpPr>
-        <p:cNvPr id="1" name=""/>
-        <p:cNvGrpSpPr/>
-        <p:nvPr/>
-      </p:nvGrpSpPr>
-      <p:grpSpPr>
-        <a:xfrm>
-          <a:off x="0" y="0"/>
-          <a:ext cx="0" cy="0"/>
-          <a:chOff x="0" y="0"/>
-          <a:chExt cx="0" cy="0"/>
-        </a:xfrm>
-      </p:grpSpPr>
-      <p:sp>
-        <p:nvSpPr>
-          <p:cNvPr id="3" name="내용 개체 틀 2"/>
-          <p:cNvSpPr>
-            <a:spLocks noGrp="1"/>
-          </p:cNvSpPr>
-          <p:nvPr>
-            <p:ph idx="1"/>
-          </p:nvPr>
-        </p:nvSpPr>
-        <p:spPr>
-          <a:xfrm>
-            <a:off x="5519854" y="1825625"/>
-            <a:ext cx="5833946" cy="4351338"/>
-          </a:xfrm>
-        </p:spPr>
-        <p:txBody>
-          <a:bodyPr/>
-          <a:lstStyle/>
-          <a:p>
-            <a:endParaRPr lang="ko-KR" altLang="en-US"/>
-          </a:p>
-        </p:txBody>
-      </p:sp>
-      <p:sp>
-        <p:nvSpPr>
-          <p:cNvPr id="4" name="슬라이드 번호 개체 틀 3"/>
-          <p:cNvSpPr>
-            <a:spLocks noGrp="1"/>
-          </p:cNvSpPr>
-          <p:nvPr>
-            <p:ph type="sldNum" sz="quarter" idx="12"/>
-          </p:nvPr>
-        </p:nvSpPr>
-        <p:spPr/>
-        <p:txBody>
-          <a:bodyPr/>
-          <a:lstStyle/>
-          <a:p>
-            <a:fld id="{A304987C-29F7-432B-B883-ED8D01B47793}" type="slidenum">
-              <a:rPr lang="ko-KR" altLang="en-US" smtClean="0">
-                <a:solidFill>
-                  <a:prstClr val="black">
-                    <a:tint val="75000"/>
-                  </a:prstClr>
-                </a:solidFill>
-              </a:rPr>
-              <a:pPr/>
-              <a:t>8</a:t>
-            </a:fld>
-            <a:endParaRPr lang="ko-KR" altLang="en-US">
-              <a:solidFill>
-                <a:prstClr val="black">
-                  <a:tint val="75000"/>
-                </a:prstClr>
-              </a:solidFill>
-            </a:endParaRPr>
-          </a:p>
-        </p:txBody>
-      </p:sp>
-      <p:sp>
-        <p:nvSpPr>
-          <p:cNvPr id="5" name="자유형: 도형 14">
-            <a:extLst>
-              <a:ext uri="{FF2B5EF4-FFF2-40B4-BE49-F238E27FC236}">
-                <a16:creationId xmlns="" xmlns:a16="http://schemas.microsoft.com/office/drawing/2014/main" id="{7C7036B2-9741-4CE3-8B34-B1D00D58C6C0}"/>
-              </a:ext>
-            </a:extLst>
-          </p:cNvPr>
-          <p:cNvSpPr/>
-          <p:nvPr/>
-        </p:nvSpPr>
-        <p:spPr>
-          <a:xfrm rot="18300000">
-            <a:off x="1600403" y="-194695"/>
-            <a:ext cx="1486501" cy="1021278"/>
-          </a:xfrm>
-          <a:custGeom>
-            <a:avLst/>
-            <a:gdLst>
-              <a:gd name="connsiteX0" fmla="*/ 771394 w 1486501"/>
-              <a:gd name="connsiteY0" fmla="*/ 0 h 1021278"/>
-              <a:gd name="connsiteX1" fmla="*/ 1486501 w 1486501"/>
-              <a:gd name="connsiteY1" fmla="*/ 1021278 h 1021278"/>
-              <a:gd name="connsiteX2" fmla="*/ 510639 w 1486501"/>
-              <a:gd name="connsiteY2" fmla="*/ 1021278 h 1021278"/>
-              <a:gd name="connsiteX3" fmla="*/ 0 w 1486501"/>
-              <a:gd name="connsiteY3" fmla="*/ 510639 h 1021278"/>
-              <a:gd name="connsiteX4" fmla="*/ 510639 w 1486501"/>
-              <a:gd name="connsiteY4" fmla="*/ 0 h 1021278"/>
-            </a:gdLst>
-            <a:ahLst/>
-            <a:cxnLst>
-              <a:cxn ang="0">
-                <a:pos x="connsiteX0" y="connsiteY0"/>
-              </a:cxn>
-              <a:cxn ang="0">
-                <a:pos x="connsiteX1" y="connsiteY1"/>
-              </a:cxn>
-              <a:cxn ang="0">
-                <a:pos x="connsiteX2" y="connsiteY2"/>
-              </a:cxn>
-              <a:cxn ang="0">
-                <a:pos x="connsiteX3" y="connsiteY3"/>
-              </a:cxn>
-              <a:cxn ang="0">
-                <a:pos x="connsiteX4" y="connsiteY4"/>
-              </a:cxn>
-            </a:cxnLst>
-            <a:rect l="l" t="t" r="r" b="b"/>
-            <a:pathLst>
-              <a:path w="1486501" h="1021278">
-                <a:moveTo>
-                  <a:pt x="771394" y="0"/>
-                </a:moveTo>
-                <a:lnTo>
-                  <a:pt x="1486501" y="1021278"/>
-                </a:lnTo>
-                <a:lnTo>
-                  <a:pt x="510639" y="1021278"/>
-                </a:lnTo>
-                <a:cubicBezTo>
-                  <a:pt x="228621" y="1021278"/>
-                  <a:pt x="0" y="792657"/>
-                  <a:pt x="0" y="510639"/>
-                </a:cubicBezTo>
-                <a:cubicBezTo>
-                  <a:pt x="0" y="228621"/>
-                  <a:pt x="228621" y="0"/>
-                  <a:pt x="510639" y="0"/>
-                </a:cubicBezTo>
-                <a:close/>
-              </a:path>
-            </a:pathLst>
-          </a:custGeom>
-          <a:solidFill>
-            <a:srgbClr val="FFC000"/>
-          </a:solidFill>
-          <a:ln>
-            <a:noFill/>
-          </a:ln>
-        </p:spPr>
-        <p:style>
-          <a:lnRef idx="2">
-            <a:schemeClr val="accent1">
-              <a:shade val="50000"/>
-            </a:schemeClr>
-          </a:lnRef>
-          <a:fillRef idx="1">
-            <a:schemeClr val="accent1"/>
-          </a:fillRef>
-          <a:effectRef idx="0">
-            <a:schemeClr val="accent1"/>
-          </a:effectRef>
-          <a:fontRef idx="minor">
-            <a:schemeClr val="lt1"/>
-          </a:fontRef>
-        </p:style>
-        <p:txBody>
-          <a:bodyPr wrap="square" rtlCol="0" anchor="ctr">
-            <a:noAutofit/>
-          </a:bodyPr>
-          <a:lstStyle/>
-          <a:p>
-            <a:pPr algn="ctr"/>
-            <a:endParaRPr lang="ko-KR" altLang="en-US">
-              <a:solidFill>
-                <a:prstClr val="white"/>
-              </a:solidFill>
-            </a:endParaRPr>
-          </a:p>
-        </p:txBody>
-      </p:sp>
-      <p:sp>
-        <p:nvSpPr>
-          <p:cNvPr id="6" name="자유형: 도형 12">
-            <a:extLst>
-              <a:ext uri="{FF2B5EF4-FFF2-40B4-BE49-F238E27FC236}">
-                <a16:creationId xmlns="" xmlns:a16="http://schemas.microsoft.com/office/drawing/2014/main" id="{83BC1BC1-768A-4FF3-B0F7-2504AB2463E1}"/>
-              </a:ext>
-            </a:extLst>
-          </p:cNvPr>
-          <p:cNvSpPr/>
-          <p:nvPr/>
-        </p:nvSpPr>
-        <p:spPr>
-          <a:xfrm rot="18000000">
-            <a:off x="1541194" y="-198169"/>
-            <a:ext cx="1311253" cy="1021278"/>
-          </a:xfrm>
-          <a:custGeom>
-            <a:avLst/>
-            <a:gdLst>
-              <a:gd name="connsiteX0" fmla="*/ 721618 w 1311253"/>
-              <a:gd name="connsiteY0" fmla="*/ 0 h 1021278"/>
-              <a:gd name="connsiteX1" fmla="*/ 1311253 w 1311253"/>
-              <a:gd name="connsiteY1" fmla="*/ 1021278 h 1021278"/>
-              <a:gd name="connsiteX2" fmla="*/ 319037 w 1311253"/>
-              <a:gd name="connsiteY2" fmla="*/ 1021278 h 1021278"/>
-              <a:gd name="connsiteX3" fmla="*/ 0 w 1311253"/>
-              <a:gd name="connsiteY3" fmla="*/ 702241 h 1021278"/>
-              <a:gd name="connsiteX4" fmla="*/ 0 w 1311253"/>
-              <a:gd name="connsiteY4" fmla="*/ 319037 h 1021278"/>
-              <a:gd name="connsiteX5" fmla="*/ 319037 w 1311253"/>
-              <a:gd name="connsiteY5" fmla="*/ 0 h 1021278"/>
-            </a:gdLst>
-            <a:ahLst/>
-            <a:cxnLst>
-              <a:cxn ang="0">
-                <a:pos x="connsiteX0" y="connsiteY0"/>
-              </a:cxn>
-              <a:cxn ang="0">
-                <a:pos x="connsiteX1" y="connsiteY1"/>
-              </a:cxn>
-              <a:cxn ang="0">
-                <a:pos x="connsiteX2" y="connsiteY2"/>
-              </a:cxn>
-              <a:cxn ang="0">
-                <a:pos x="connsiteX3" y="connsiteY3"/>
-              </a:cxn>
-              <a:cxn ang="0">
-                <a:pos x="connsiteX4" y="connsiteY4"/>
-              </a:cxn>
-              <a:cxn ang="0">
-                <a:pos x="connsiteX5" y="connsiteY5"/>
-              </a:cxn>
-            </a:cxnLst>
-            <a:rect l="l" t="t" r="r" b="b"/>
-            <a:pathLst>
-              <a:path w="1311253" h="1021278">
-                <a:moveTo>
-                  <a:pt x="721618" y="0"/>
-                </a:moveTo>
-                <a:lnTo>
-                  <a:pt x="1311253" y="1021278"/>
-                </a:lnTo>
-                <a:lnTo>
-                  <a:pt x="319037" y="1021278"/>
-                </a:lnTo>
-                <a:cubicBezTo>
-                  <a:pt x="142838" y="1021278"/>
-                  <a:pt x="0" y="878440"/>
-                  <a:pt x="0" y="702241"/>
-                </a:cubicBezTo>
-                <a:lnTo>
-                  <a:pt x="0" y="319037"/>
-                </a:lnTo>
-                <a:cubicBezTo>
-                  <a:pt x="0" y="142838"/>
-                  <a:pt x="142838" y="0"/>
-                  <a:pt x="319037" y="0"/>
-                </a:cubicBezTo>
-                <a:close/>
-              </a:path>
-            </a:pathLst>
-          </a:custGeom>
-          <a:solidFill>
-            <a:schemeClr val="bg2">
-              <a:lumMod val="25000"/>
-            </a:schemeClr>
-          </a:solidFill>
-          <a:ln>
-            <a:noFill/>
-          </a:ln>
-        </p:spPr>
-        <p:style>
-          <a:lnRef idx="2">
-            <a:schemeClr val="accent1">
-              <a:shade val="50000"/>
-            </a:schemeClr>
-          </a:lnRef>
-          <a:fillRef idx="1">
-            <a:schemeClr val="accent1"/>
-          </a:fillRef>
-          <a:effectRef idx="0">
-            <a:schemeClr val="accent1"/>
-          </a:effectRef>
-          <a:fontRef idx="minor">
-            <a:schemeClr val="lt1"/>
-          </a:fontRef>
-        </p:style>
-        <p:txBody>
-          <a:bodyPr wrap="square" rtlCol="0" anchor="ctr">
-            <a:noAutofit/>
-          </a:bodyPr>
-          <a:lstStyle/>
-          <a:p>
-            <a:pPr algn="ctr"/>
-            <a:endParaRPr lang="ko-KR" altLang="en-US">
-              <a:solidFill>
-                <a:prstClr val="white"/>
-              </a:solidFill>
-            </a:endParaRPr>
-          </a:p>
-        </p:txBody>
-      </p:sp>
-      <p:sp>
-        <p:nvSpPr>
-          <p:cNvPr id="7" name="직사각형 6">
-            <a:extLst>
-              <a:ext uri="{FF2B5EF4-FFF2-40B4-BE49-F238E27FC236}">
-                <a16:creationId xmlns="" xmlns:a16="http://schemas.microsoft.com/office/drawing/2014/main" id="{42DD46FB-78F9-499E-B11B-128CA332B259}"/>
-              </a:ext>
-            </a:extLst>
-          </p:cNvPr>
-          <p:cNvSpPr/>
-          <p:nvPr/>
-        </p:nvSpPr>
-        <p:spPr>
-          <a:xfrm>
-            <a:off x="3188256" y="-6586"/>
-            <a:ext cx="5815490" cy="735842"/>
-          </a:xfrm>
-          <a:prstGeom prst="rect">
-            <a:avLst/>
-          </a:prstGeom>
-        </p:spPr>
-        <p:txBody>
-          <a:bodyPr wrap="square">
-            <a:spAutoFit/>
-          </a:bodyPr>
-          <a:lstStyle/>
-          <a:p>
-            <a:pPr latinLnBrk="0">
-              <a:lnSpc>
-                <a:spcPct val="150000"/>
-              </a:lnSpc>
-              <a:defRPr/>
-            </a:pPr>
-            <a:r>
-              <a:rPr lang="ko-KR" altLang="en-US" sz="3200" b="1" i="1" kern="0" dirty="0">
-                <a:solidFill>
-                  <a:prstClr val="black">
-                    <a:lumMod val="75000"/>
-                    <a:lumOff val="25000"/>
-                  </a:prstClr>
-                </a:solidFill>
-              </a:rPr>
-              <a:t>기술적 요소 및 중점 연구분야</a:t>
-            </a:r>
-            <a:endParaRPr lang="en-US" altLang="ko-KR" sz="900" kern="0" dirty="0">
-              <a:solidFill>
-                <a:prstClr val="black">
-                  <a:lumMod val="75000"/>
-                  <a:lumOff val="25000"/>
-                </a:prstClr>
-              </a:solidFill>
-            </a:endParaRPr>
-          </a:p>
-        </p:txBody>
-      </p:sp>
-      <p:sp>
-        <p:nvSpPr>
-          <p:cNvPr id="8" name="직사각형 7">
-            <a:extLst>
-              <a:ext uri="{FF2B5EF4-FFF2-40B4-BE49-F238E27FC236}">
-                <a16:creationId xmlns="" xmlns:a16="http://schemas.microsoft.com/office/drawing/2014/main" id="{03486F2F-3BC2-44B6-9674-2789396E3EBA}"/>
-              </a:ext>
-            </a:extLst>
-          </p:cNvPr>
-          <p:cNvSpPr/>
-          <p:nvPr/>
-        </p:nvSpPr>
-        <p:spPr>
-          <a:xfrm>
-            <a:off x="0" y="0"/>
-            <a:ext cx="2220686" cy="1021278"/>
-          </a:xfrm>
-          <a:prstGeom prst="rect">
-            <a:avLst/>
-          </a:prstGeom>
-          <a:solidFill>
-            <a:schemeClr val="bg2">
-              <a:lumMod val="25000"/>
-            </a:schemeClr>
-          </a:solidFill>
-          <a:ln>
-            <a:noFill/>
-          </a:ln>
-        </p:spPr>
-        <p:style>
-          <a:lnRef idx="2">
-            <a:schemeClr val="accent1">
-              <a:shade val="50000"/>
-            </a:schemeClr>
-          </a:lnRef>
-          <a:fillRef idx="1">
-            <a:schemeClr val="accent1"/>
-          </a:fillRef>
-          <a:effectRef idx="0">
-            <a:schemeClr val="accent1"/>
-          </a:effectRef>
-          <a:fontRef idx="minor">
-            <a:schemeClr val="lt1"/>
-          </a:fontRef>
-        </p:style>
-        <p:txBody>
-          <a:bodyPr lIns="144000" rtlCol="0" anchor="ctr"/>
-          <a:lstStyle/>
-          <a:p>
-            <a:pPr lvl="1"/>
-            <a:r>
-              <a:rPr lang="en-US" altLang="ko-KR" b="1" dirty="0">
-                <a:solidFill>
-                  <a:prstClr val="white"/>
-                </a:solidFill>
-              </a:rPr>
-              <a:t>CONTENTS</a:t>
-            </a:r>
-            <a:endParaRPr lang="ko-KR" altLang="en-US" b="1" dirty="0">
-              <a:solidFill>
-                <a:prstClr val="white"/>
-              </a:solidFill>
-            </a:endParaRPr>
-          </a:p>
-        </p:txBody>
-      </p:sp>
-      <p:sp>
-        <p:nvSpPr>
-          <p:cNvPr id="9" name="Freeform 9">
-            <a:extLst>
-              <a:ext uri="{FF2B5EF4-FFF2-40B4-BE49-F238E27FC236}">
-                <a16:creationId xmlns="" xmlns:a16="http://schemas.microsoft.com/office/drawing/2014/main" id="{9C7891CF-0CE6-4459-8B48-D99AB7321D43}"/>
-              </a:ext>
-            </a:extLst>
-          </p:cNvPr>
-          <p:cNvSpPr>
-            <a:spLocks/>
-          </p:cNvSpPr>
-          <p:nvPr/>
-        </p:nvSpPr>
-        <p:spPr bwMode="auto">
-          <a:xfrm>
-            <a:off x="215715" y="348818"/>
-            <a:ext cx="224411" cy="296151"/>
-          </a:xfrm>
-          <a:custGeom>
-            <a:avLst/>
-            <a:gdLst>
-              <a:gd name="T0" fmla="*/ 1093 w 9310"/>
-              <a:gd name="T1" fmla="*/ 12245 h 12286"/>
-              <a:gd name="T2" fmla="*/ 582 w 9310"/>
-              <a:gd name="T3" fmla="*/ 12007 h 12286"/>
-              <a:gd name="T4" fmla="*/ 279 w 9310"/>
-              <a:gd name="T5" fmla="*/ 11710 h 12286"/>
-              <a:gd name="T6" fmla="*/ 42 w 9310"/>
-              <a:gd name="T7" fmla="*/ 11209 h 12286"/>
-              <a:gd name="T8" fmla="*/ 0 w 9310"/>
-              <a:gd name="T9" fmla="*/ 1919 h 12286"/>
-              <a:gd name="T10" fmla="*/ 117 w 9310"/>
-              <a:gd name="T11" fmla="*/ 1260 h 12286"/>
-              <a:gd name="T12" fmla="*/ 498 w 9310"/>
-              <a:gd name="T13" fmla="*/ 629 h 12286"/>
-              <a:gd name="T14" fmla="*/ 1088 w 9310"/>
-              <a:gd name="T15" fmla="*/ 189 h 12286"/>
-              <a:gd name="T16" fmla="*/ 1821 w 9310"/>
-              <a:gd name="T17" fmla="*/ 1 h 12286"/>
-              <a:gd name="T18" fmla="*/ 7682 w 9310"/>
-              <a:gd name="T19" fmla="*/ 22 h 12286"/>
-              <a:gd name="T20" fmla="*/ 8385 w 9310"/>
-              <a:gd name="T21" fmla="*/ 278 h 12286"/>
-              <a:gd name="T22" fmla="*/ 8929 w 9310"/>
-              <a:gd name="T23" fmla="*/ 772 h 12286"/>
-              <a:gd name="T24" fmla="*/ 9250 w 9310"/>
-              <a:gd name="T25" fmla="*/ 1440 h 12286"/>
-              <a:gd name="T26" fmla="*/ 9310 w 9310"/>
-              <a:gd name="T27" fmla="*/ 8471 h 12286"/>
-              <a:gd name="T28" fmla="*/ 9201 w 9310"/>
-              <a:gd name="T29" fmla="*/ 8777 h 12286"/>
-              <a:gd name="T30" fmla="*/ 8880 w 9310"/>
-              <a:gd name="T31" fmla="*/ 8949 h 12286"/>
-              <a:gd name="T32" fmla="*/ 8601 w 9310"/>
-              <a:gd name="T33" fmla="*/ 8894 h 12286"/>
-              <a:gd name="T34" fmla="*/ 8370 w 9310"/>
-              <a:gd name="T35" fmla="*/ 8615 h 12286"/>
-              <a:gd name="T36" fmla="*/ 8349 w 9310"/>
-              <a:gd name="T37" fmla="*/ 1870 h 12286"/>
-              <a:gd name="T38" fmla="*/ 8255 w 9310"/>
-              <a:gd name="T39" fmla="*/ 1503 h 12286"/>
-              <a:gd name="T40" fmla="*/ 8035 w 9310"/>
-              <a:gd name="T41" fmla="*/ 1209 h 12286"/>
-              <a:gd name="T42" fmla="*/ 7720 w 9310"/>
-              <a:gd name="T43" fmla="*/ 1018 h 12286"/>
-              <a:gd name="T44" fmla="*/ 7390 w 9310"/>
-              <a:gd name="T45" fmla="*/ 960 h 12286"/>
-              <a:gd name="T46" fmla="*/ 1680 w 9310"/>
-              <a:gd name="T47" fmla="*/ 989 h 12286"/>
-              <a:gd name="T48" fmla="*/ 1346 w 9310"/>
-              <a:gd name="T49" fmla="*/ 1150 h 12286"/>
-              <a:gd name="T50" fmla="*/ 1098 w 9310"/>
-              <a:gd name="T51" fmla="*/ 1423 h 12286"/>
-              <a:gd name="T52" fmla="*/ 970 w 9310"/>
-              <a:gd name="T53" fmla="*/ 1774 h 12286"/>
-              <a:gd name="T54" fmla="*/ 962 w 9310"/>
-              <a:gd name="T55" fmla="*/ 10904 h 12286"/>
-              <a:gd name="T56" fmla="*/ 1091 w 9310"/>
-              <a:gd name="T57" fmla="*/ 11185 h 12286"/>
-              <a:gd name="T58" fmla="*/ 1405 w 9310"/>
-              <a:gd name="T59" fmla="*/ 11326 h 12286"/>
-              <a:gd name="T60" fmla="*/ 1677 w 9310"/>
-              <a:gd name="T61" fmla="*/ 11273 h 12286"/>
-              <a:gd name="T62" fmla="*/ 4346 w 9310"/>
-              <a:gd name="T63" fmla="*/ 8559 h 12286"/>
-              <a:gd name="T64" fmla="*/ 4655 w 9310"/>
-              <a:gd name="T65" fmla="*/ 8448 h 12286"/>
-              <a:gd name="T66" fmla="*/ 4964 w 9310"/>
-              <a:gd name="T67" fmla="*/ 8559 h 12286"/>
-              <a:gd name="T68" fmla="*/ 7633 w 9310"/>
-              <a:gd name="T69" fmla="*/ 11273 h 12286"/>
-              <a:gd name="T70" fmla="*/ 7902 w 9310"/>
-              <a:gd name="T71" fmla="*/ 11326 h 12286"/>
-              <a:gd name="T72" fmla="*/ 8215 w 9310"/>
-              <a:gd name="T73" fmla="*/ 11182 h 12286"/>
-              <a:gd name="T74" fmla="*/ 8349 w 9310"/>
-              <a:gd name="T75" fmla="*/ 10897 h 12286"/>
-              <a:gd name="T76" fmla="*/ 8408 w 9310"/>
-              <a:gd name="T77" fmla="*/ 10618 h 12286"/>
-              <a:gd name="T78" fmla="*/ 8687 w 9310"/>
-              <a:gd name="T79" fmla="*/ 10387 h 12286"/>
-              <a:gd name="T80" fmla="*/ 8974 w 9310"/>
-              <a:gd name="T81" fmla="*/ 10387 h 12286"/>
-              <a:gd name="T82" fmla="*/ 9253 w 9310"/>
-              <a:gd name="T83" fmla="*/ 10618 h 12286"/>
-              <a:gd name="T84" fmla="*/ 9309 w 9310"/>
-              <a:gd name="T85" fmla="*/ 10920 h 12286"/>
-              <a:gd name="T86" fmla="*/ 9174 w 9310"/>
-              <a:gd name="T87" fmla="*/ 11466 h 12286"/>
-              <a:gd name="T88" fmla="*/ 8890 w 9310"/>
-              <a:gd name="T89" fmla="*/ 11865 h 12286"/>
-              <a:gd name="T90" fmla="*/ 8474 w 9310"/>
-              <a:gd name="T91" fmla="*/ 12151 h 12286"/>
-              <a:gd name="T92" fmla="*/ 7913 w 9310"/>
-              <a:gd name="T93" fmla="*/ 12286 h 12286"/>
-              <a:gd name="T94" fmla="*/ 7489 w 9310"/>
-              <a:gd name="T95" fmla="*/ 12242 h 12286"/>
-              <a:gd name="T96" fmla="*/ 6997 w 9310"/>
-              <a:gd name="T97" fmla="*/ 12001 h 12286"/>
-              <a:gd name="T98" fmla="*/ 2472 w 9310"/>
-              <a:gd name="T99" fmla="*/ 11859 h 12286"/>
-              <a:gd name="T100" fmla="*/ 2080 w 9310"/>
-              <a:gd name="T101" fmla="*/ 12145 h 12286"/>
-              <a:gd name="T102" fmla="*/ 1545 w 9310"/>
-              <a:gd name="T103" fmla="*/ 12285 h 12286"/>
-            </a:gdLst>
-            <a:ahLst/>
-            <a:cxnLst>
-              <a:cxn ang="0">
-                <a:pos x="T0" y="T1"/>
-              </a:cxn>
-              <a:cxn ang="0">
-                <a:pos x="T2" y="T3"/>
-              </a:cxn>
-              <a:cxn ang="0">
-                <a:pos x="T4" y="T5"/>
-              </a:cxn>
-              <a:cxn ang="0">
-                <a:pos x="T6" y="T7"/>
-              </a:cxn>
-              <a:cxn ang="0">
-                <a:pos x="T8" y="T9"/>
-              </a:cxn>
-              <a:cxn ang="0">
-                <a:pos x="T10" y="T11"/>
-              </a:cxn>
-              <a:cxn ang="0">
-                <a:pos x="T12" y="T13"/>
-              </a:cxn>
-              <a:cxn ang="0">
-                <a:pos x="T14" y="T15"/>
-              </a:cxn>
-              <a:cxn ang="0">
-                <a:pos x="T16" y="T17"/>
-              </a:cxn>
-              <a:cxn ang="0">
-                <a:pos x="T18" y="T19"/>
-              </a:cxn>
-              <a:cxn ang="0">
-                <a:pos x="T20" y="T21"/>
-              </a:cxn>
-              <a:cxn ang="0">
-                <a:pos x="T22" y="T23"/>
-              </a:cxn>
-              <a:cxn ang="0">
-                <a:pos x="T24" y="T25"/>
-              </a:cxn>
-              <a:cxn ang="0">
-                <a:pos x="T26" y="T27"/>
-              </a:cxn>
-              <a:cxn ang="0">
-                <a:pos x="T28" y="T29"/>
-              </a:cxn>
-              <a:cxn ang="0">
-                <a:pos x="T30" y="T31"/>
-              </a:cxn>
-              <a:cxn ang="0">
-                <a:pos x="T32" y="T33"/>
-              </a:cxn>
-              <a:cxn ang="0">
-                <a:pos x="T34" y="T35"/>
-              </a:cxn>
-              <a:cxn ang="0">
-                <a:pos x="T36" y="T37"/>
-              </a:cxn>
-              <a:cxn ang="0">
-                <a:pos x="T38" y="T39"/>
-              </a:cxn>
-              <a:cxn ang="0">
-                <a:pos x="T40" y="T41"/>
-              </a:cxn>
-              <a:cxn ang="0">
-                <a:pos x="T42" y="T43"/>
-              </a:cxn>
-              <a:cxn ang="0">
-                <a:pos x="T44" y="T45"/>
-              </a:cxn>
-              <a:cxn ang="0">
-                <a:pos x="T46" y="T47"/>
-              </a:cxn>
-              <a:cxn ang="0">
-                <a:pos x="T48" y="T49"/>
-              </a:cxn>
-              <a:cxn ang="0">
-                <a:pos x="T50" y="T51"/>
-              </a:cxn>
-              <a:cxn ang="0">
-                <a:pos x="T52" y="T53"/>
-              </a:cxn>
-              <a:cxn ang="0">
-                <a:pos x="T54" y="T55"/>
-              </a:cxn>
-              <a:cxn ang="0">
-                <a:pos x="T56" y="T57"/>
-              </a:cxn>
-              <a:cxn ang="0">
-                <a:pos x="T58" y="T59"/>
-              </a:cxn>
-              <a:cxn ang="0">
-                <a:pos x="T60" y="T61"/>
-              </a:cxn>
-              <a:cxn ang="0">
-                <a:pos x="T62" y="T63"/>
-              </a:cxn>
-              <a:cxn ang="0">
-                <a:pos x="T64" y="T65"/>
-              </a:cxn>
-              <a:cxn ang="0">
-                <a:pos x="T66" y="T67"/>
-              </a:cxn>
-              <a:cxn ang="0">
-                <a:pos x="T68" y="T69"/>
-              </a:cxn>
-              <a:cxn ang="0">
-                <a:pos x="T70" y="T71"/>
-              </a:cxn>
-              <a:cxn ang="0">
-                <a:pos x="T72" y="T73"/>
-              </a:cxn>
-              <a:cxn ang="0">
-                <a:pos x="T74" y="T75"/>
-              </a:cxn>
-              <a:cxn ang="0">
-                <a:pos x="T76" y="T77"/>
-              </a:cxn>
-              <a:cxn ang="0">
-                <a:pos x="T78" y="T79"/>
-              </a:cxn>
-              <a:cxn ang="0">
-                <a:pos x="T80" y="T81"/>
-              </a:cxn>
-              <a:cxn ang="0">
-                <a:pos x="T82" y="T83"/>
-              </a:cxn>
-              <a:cxn ang="0">
-                <a:pos x="T84" y="T85"/>
-              </a:cxn>
-              <a:cxn ang="0">
-                <a:pos x="T86" y="T87"/>
-              </a:cxn>
-              <a:cxn ang="0">
-                <a:pos x="T88" y="T89"/>
-              </a:cxn>
-              <a:cxn ang="0">
-                <a:pos x="T90" y="T91"/>
-              </a:cxn>
-              <a:cxn ang="0">
-                <a:pos x="T92" y="T93"/>
-              </a:cxn>
-              <a:cxn ang="0">
-                <a:pos x="T94" y="T95"/>
-              </a:cxn>
-              <a:cxn ang="0">
-                <a:pos x="T96" y="T97"/>
-              </a:cxn>
-              <a:cxn ang="0">
-                <a:pos x="T98" y="T99"/>
-              </a:cxn>
-              <a:cxn ang="0">
-                <a:pos x="T100" y="T101"/>
-              </a:cxn>
-              <a:cxn ang="0">
-                <a:pos x="T102" y="T103"/>
-              </a:cxn>
-            </a:cxnLst>
-            <a:rect l="0" t="0" r="r" b="b"/>
-            <a:pathLst>
-              <a:path w="9310" h="12286">
-                <a:moveTo>
-                  <a:pt x="1447" y="12286"/>
-                </a:moveTo>
-                <a:lnTo>
-                  <a:pt x="1375" y="12286"/>
-                </a:lnTo>
-                <a:lnTo>
-                  <a:pt x="1232" y="12272"/>
-                </a:lnTo>
-                <a:lnTo>
-                  <a:pt x="1093" y="12245"/>
-                </a:lnTo>
-                <a:lnTo>
-                  <a:pt x="957" y="12203"/>
-                </a:lnTo>
-                <a:lnTo>
-                  <a:pt x="826" y="12150"/>
-                </a:lnTo>
-                <a:lnTo>
-                  <a:pt x="700" y="12085"/>
-                </a:lnTo>
-                <a:lnTo>
-                  <a:pt x="582" y="12007"/>
-                </a:lnTo>
-                <a:lnTo>
-                  <a:pt x="471" y="11918"/>
-                </a:lnTo>
-                <a:lnTo>
-                  <a:pt x="419" y="11869"/>
-                </a:lnTo>
-                <a:lnTo>
-                  <a:pt x="370" y="11818"/>
-                </a:lnTo>
-                <a:lnTo>
-                  <a:pt x="279" y="11710"/>
-                </a:lnTo>
-                <a:lnTo>
-                  <a:pt x="202" y="11595"/>
-                </a:lnTo>
-                <a:lnTo>
-                  <a:pt x="135" y="11471"/>
-                </a:lnTo>
-                <a:lnTo>
-                  <a:pt x="82" y="11343"/>
-                </a:lnTo>
-                <a:lnTo>
-                  <a:pt x="42" y="11209"/>
-                </a:lnTo>
-                <a:lnTo>
-                  <a:pt x="14" y="11070"/>
-                </a:lnTo>
-                <a:lnTo>
-                  <a:pt x="1" y="10927"/>
-                </a:lnTo>
-                <a:lnTo>
-                  <a:pt x="0" y="10855"/>
-                </a:lnTo>
-                <a:lnTo>
-                  <a:pt x="0" y="1919"/>
-                </a:lnTo>
-                <a:lnTo>
-                  <a:pt x="1" y="1821"/>
-                </a:lnTo>
-                <a:lnTo>
-                  <a:pt x="22" y="1627"/>
-                </a:lnTo>
-                <a:lnTo>
-                  <a:pt x="60" y="1440"/>
-                </a:lnTo>
-                <a:lnTo>
-                  <a:pt x="117" y="1260"/>
-                </a:lnTo>
-                <a:lnTo>
-                  <a:pt x="189" y="1089"/>
-                </a:lnTo>
-                <a:lnTo>
-                  <a:pt x="278" y="924"/>
-                </a:lnTo>
-                <a:lnTo>
-                  <a:pt x="382" y="772"/>
-                </a:lnTo>
-                <a:lnTo>
-                  <a:pt x="498" y="629"/>
-                </a:lnTo>
-                <a:lnTo>
-                  <a:pt x="629" y="498"/>
-                </a:lnTo>
-                <a:lnTo>
-                  <a:pt x="772" y="382"/>
-                </a:lnTo>
-                <a:lnTo>
-                  <a:pt x="924" y="278"/>
-                </a:lnTo>
-                <a:lnTo>
-                  <a:pt x="1088" y="189"/>
-                </a:lnTo>
-                <a:lnTo>
-                  <a:pt x="1260" y="117"/>
-                </a:lnTo>
-                <a:lnTo>
-                  <a:pt x="1440" y="60"/>
-                </a:lnTo>
-                <a:lnTo>
-                  <a:pt x="1627" y="22"/>
-                </a:lnTo>
-                <a:lnTo>
-                  <a:pt x="1821" y="1"/>
-                </a:lnTo>
-                <a:lnTo>
-                  <a:pt x="1919" y="0"/>
-                </a:lnTo>
-                <a:lnTo>
-                  <a:pt x="7390" y="0"/>
-                </a:lnTo>
-                <a:lnTo>
-                  <a:pt x="7489" y="1"/>
-                </a:lnTo>
-                <a:lnTo>
-                  <a:pt x="7682" y="22"/>
-                </a:lnTo>
-                <a:lnTo>
-                  <a:pt x="7869" y="60"/>
-                </a:lnTo>
-                <a:lnTo>
-                  <a:pt x="8049" y="117"/>
-                </a:lnTo>
-                <a:lnTo>
-                  <a:pt x="8222" y="189"/>
-                </a:lnTo>
-                <a:lnTo>
-                  <a:pt x="8385" y="278"/>
-                </a:lnTo>
-                <a:lnTo>
-                  <a:pt x="8539" y="382"/>
-                </a:lnTo>
-                <a:lnTo>
-                  <a:pt x="8681" y="498"/>
-                </a:lnTo>
-                <a:lnTo>
-                  <a:pt x="8811" y="629"/>
-                </a:lnTo>
-                <a:lnTo>
-                  <a:pt x="8929" y="772"/>
-                </a:lnTo>
-                <a:lnTo>
-                  <a:pt x="9033" y="924"/>
-                </a:lnTo>
-                <a:lnTo>
-                  <a:pt x="9120" y="1089"/>
-                </a:lnTo>
-                <a:lnTo>
-                  <a:pt x="9194" y="1260"/>
-                </a:lnTo>
-                <a:lnTo>
-                  <a:pt x="9250" y="1440"/>
-                </a:lnTo>
-                <a:lnTo>
-                  <a:pt x="9289" y="1627"/>
-                </a:lnTo>
-                <a:lnTo>
-                  <a:pt x="9308" y="1821"/>
-                </a:lnTo>
-                <a:lnTo>
-                  <a:pt x="9310" y="1919"/>
-                </a:lnTo>
-                <a:lnTo>
-                  <a:pt x="9310" y="8471"/>
-                </a:lnTo>
-                <a:lnTo>
-                  <a:pt x="9308" y="8521"/>
-                </a:lnTo>
-                <a:lnTo>
-                  <a:pt x="9289" y="8615"/>
-                </a:lnTo>
-                <a:lnTo>
-                  <a:pt x="9253" y="8700"/>
-                </a:lnTo>
-                <a:lnTo>
-                  <a:pt x="9201" y="8777"/>
-                </a:lnTo>
-                <a:lnTo>
-                  <a:pt x="9136" y="8842"/>
-                </a:lnTo>
-                <a:lnTo>
-                  <a:pt x="9058" y="8894"/>
-                </a:lnTo>
-                <a:lnTo>
-                  <a:pt x="8974" y="8930"/>
-                </a:lnTo>
-                <a:lnTo>
-                  <a:pt x="8880" y="8949"/>
-                </a:lnTo>
-                <a:lnTo>
-                  <a:pt x="8830" y="8952"/>
-                </a:lnTo>
-                <a:lnTo>
-                  <a:pt x="8781" y="8949"/>
-                </a:lnTo>
-                <a:lnTo>
-                  <a:pt x="8687" y="8930"/>
-                </a:lnTo>
-                <a:lnTo>
-                  <a:pt x="8601" y="8894"/>
-                </a:lnTo>
-                <a:lnTo>
-                  <a:pt x="8524" y="8842"/>
-                </a:lnTo>
-                <a:lnTo>
-                  <a:pt x="8460" y="8777"/>
-                </a:lnTo>
-                <a:lnTo>
-                  <a:pt x="8408" y="8700"/>
-                </a:lnTo>
-                <a:lnTo>
-                  <a:pt x="8370" y="8615"/>
-                </a:lnTo>
-                <a:lnTo>
-                  <a:pt x="8352" y="8521"/>
-                </a:lnTo>
-                <a:lnTo>
-                  <a:pt x="8350" y="8471"/>
-                </a:lnTo>
-                <a:lnTo>
-                  <a:pt x="8350" y="1919"/>
-                </a:lnTo>
-                <a:lnTo>
-                  <a:pt x="8349" y="1870"/>
-                </a:lnTo>
-                <a:lnTo>
-                  <a:pt x="8340" y="1774"/>
-                </a:lnTo>
-                <a:lnTo>
-                  <a:pt x="8320" y="1680"/>
-                </a:lnTo>
-                <a:lnTo>
-                  <a:pt x="8293" y="1590"/>
-                </a:lnTo>
-                <a:lnTo>
-                  <a:pt x="8255" y="1503"/>
-                </a:lnTo>
-                <a:lnTo>
-                  <a:pt x="8211" y="1423"/>
-                </a:lnTo>
-                <a:lnTo>
-                  <a:pt x="8160" y="1346"/>
-                </a:lnTo>
-                <a:lnTo>
-                  <a:pt x="8101" y="1274"/>
-                </a:lnTo>
-                <a:lnTo>
-                  <a:pt x="8035" y="1209"/>
-                </a:lnTo>
-                <a:lnTo>
-                  <a:pt x="7964" y="1150"/>
-                </a:lnTo>
-                <a:lnTo>
-                  <a:pt x="7888" y="1099"/>
-                </a:lnTo>
-                <a:lnTo>
-                  <a:pt x="7806" y="1054"/>
-                </a:lnTo>
-                <a:lnTo>
-                  <a:pt x="7720" y="1018"/>
-                </a:lnTo>
-                <a:lnTo>
-                  <a:pt x="7630" y="989"/>
-                </a:lnTo>
-                <a:lnTo>
-                  <a:pt x="7537" y="970"/>
-                </a:lnTo>
-                <a:lnTo>
-                  <a:pt x="7440" y="960"/>
-                </a:lnTo>
-                <a:lnTo>
-                  <a:pt x="7390" y="960"/>
-                </a:lnTo>
-                <a:lnTo>
-                  <a:pt x="1919" y="960"/>
-                </a:lnTo>
-                <a:lnTo>
-                  <a:pt x="1870" y="960"/>
-                </a:lnTo>
-                <a:lnTo>
-                  <a:pt x="1774" y="970"/>
-                </a:lnTo>
-                <a:lnTo>
-                  <a:pt x="1680" y="989"/>
-                </a:lnTo>
-                <a:lnTo>
-                  <a:pt x="1589" y="1018"/>
-                </a:lnTo>
-                <a:lnTo>
-                  <a:pt x="1503" y="1054"/>
-                </a:lnTo>
-                <a:lnTo>
-                  <a:pt x="1422" y="1099"/>
-                </a:lnTo>
-                <a:lnTo>
-                  <a:pt x="1346" y="1150"/>
-                </a:lnTo>
-                <a:lnTo>
-                  <a:pt x="1274" y="1209"/>
-                </a:lnTo>
-                <a:lnTo>
-                  <a:pt x="1209" y="1274"/>
-                </a:lnTo>
-                <a:lnTo>
-                  <a:pt x="1150" y="1346"/>
-                </a:lnTo>
-                <a:lnTo>
-                  <a:pt x="1098" y="1423"/>
-                </a:lnTo>
-                <a:lnTo>
-                  <a:pt x="1054" y="1503"/>
-                </a:lnTo>
-                <a:lnTo>
-                  <a:pt x="1018" y="1590"/>
-                </a:lnTo>
-                <a:lnTo>
-                  <a:pt x="989" y="1680"/>
-                </a:lnTo>
-                <a:lnTo>
-                  <a:pt x="970" y="1774"/>
-                </a:lnTo>
-                <a:lnTo>
-                  <a:pt x="960" y="1870"/>
-                </a:lnTo>
-                <a:lnTo>
-                  <a:pt x="960" y="1919"/>
-                </a:lnTo>
-                <a:lnTo>
-                  <a:pt x="960" y="10855"/>
-                </a:lnTo>
-                <a:lnTo>
-                  <a:pt x="962" y="10904"/>
-                </a:lnTo>
-                <a:lnTo>
-                  <a:pt x="978" y="10995"/>
-                </a:lnTo>
-                <a:lnTo>
-                  <a:pt x="1011" y="11078"/>
-                </a:lnTo>
-                <a:lnTo>
-                  <a:pt x="1061" y="11152"/>
-                </a:lnTo>
-                <a:lnTo>
-                  <a:pt x="1091" y="11185"/>
-                </a:lnTo>
-                <a:lnTo>
-                  <a:pt x="1129" y="11218"/>
-                </a:lnTo>
-                <a:lnTo>
-                  <a:pt x="1212" y="11271"/>
-                </a:lnTo>
-                <a:lnTo>
-                  <a:pt x="1306" y="11307"/>
-                </a:lnTo>
-                <a:lnTo>
-                  <a:pt x="1405" y="11326"/>
-                </a:lnTo>
-                <a:lnTo>
-                  <a:pt x="1456" y="11327"/>
-                </a:lnTo>
-                <a:lnTo>
-                  <a:pt x="1504" y="11325"/>
-                </a:lnTo>
-                <a:lnTo>
-                  <a:pt x="1595" y="11307"/>
-                </a:lnTo>
-                <a:lnTo>
-                  <a:pt x="1677" y="11273"/>
-                </a:lnTo>
-                <a:lnTo>
-                  <a:pt x="1751" y="11222"/>
-                </a:lnTo>
-                <a:lnTo>
-                  <a:pt x="1784" y="11191"/>
-                </a:lnTo>
-                <a:lnTo>
-                  <a:pt x="4310" y="8592"/>
-                </a:lnTo>
-                <a:lnTo>
-                  <a:pt x="4346" y="8559"/>
-                </a:lnTo>
-                <a:lnTo>
-                  <a:pt x="4426" y="8505"/>
-                </a:lnTo>
-                <a:lnTo>
-                  <a:pt x="4513" y="8468"/>
-                </a:lnTo>
-                <a:lnTo>
-                  <a:pt x="4607" y="8449"/>
-                </a:lnTo>
-                <a:lnTo>
-                  <a:pt x="4655" y="8448"/>
-                </a:lnTo>
-                <a:lnTo>
-                  <a:pt x="4703" y="8449"/>
-                </a:lnTo>
-                <a:lnTo>
-                  <a:pt x="4797" y="8468"/>
-                </a:lnTo>
-                <a:lnTo>
-                  <a:pt x="4885" y="8505"/>
-                </a:lnTo>
-                <a:lnTo>
-                  <a:pt x="4964" y="8559"/>
-                </a:lnTo>
-                <a:lnTo>
-                  <a:pt x="4999" y="8592"/>
-                </a:lnTo>
-                <a:lnTo>
-                  <a:pt x="7527" y="11191"/>
-                </a:lnTo>
-                <a:lnTo>
-                  <a:pt x="7560" y="11222"/>
-                </a:lnTo>
-                <a:lnTo>
-                  <a:pt x="7633" y="11273"/>
-                </a:lnTo>
-                <a:lnTo>
-                  <a:pt x="7714" y="11307"/>
-                </a:lnTo>
-                <a:lnTo>
-                  <a:pt x="7803" y="11325"/>
-                </a:lnTo>
-                <a:lnTo>
-                  <a:pt x="7852" y="11327"/>
-                </a:lnTo>
-                <a:lnTo>
-                  <a:pt x="7902" y="11326"/>
-                </a:lnTo>
-                <a:lnTo>
-                  <a:pt x="8002" y="11306"/>
-                </a:lnTo>
-                <a:lnTo>
-                  <a:pt x="8095" y="11270"/>
-                </a:lnTo>
-                <a:lnTo>
-                  <a:pt x="8179" y="11215"/>
-                </a:lnTo>
-                <a:lnTo>
-                  <a:pt x="8215" y="11182"/>
-                </a:lnTo>
-                <a:lnTo>
-                  <a:pt x="8248" y="11148"/>
-                </a:lnTo>
-                <a:lnTo>
-                  <a:pt x="8298" y="11073"/>
-                </a:lnTo>
-                <a:lnTo>
-                  <a:pt x="8331" y="10989"/>
-                </a:lnTo>
-                <a:lnTo>
-                  <a:pt x="8349" y="10897"/>
-                </a:lnTo>
-                <a:lnTo>
-                  <a:pt x="8350" y="10847"/>
-                </a:lnTo>
-                <a:lnTo>
-                  <a:pt x="8352" y="10798"/>
-                </a:lnTo>
-                <a:lnTo>
-                  <a:pt x="8370" y="10704"/>
-                </a:lnTo>
-                <a:lnTo>
-                  <a:pt x="8408" y="10618"/>
-                </a:lnTo>
-                <a:lnTo>
-                  <a:pt x="8460" y="10541"/>
-                </a:lnTo>
-                <a:lnTo>
-                  <a:pt x="8524" y="10477"/>
-                </a:lnTo>
-                <a:lnTo>
-                  <a:pt x="8601" y="10425"/>
-                </a:lnTo>
-                <a:lnTo>
-                  <a:pt x="8687" y="10387"/>
-                </a:lnTo>
-                <a:lnTo>
-                  <a:pt x="8781" y="10369"/>
-                </a:lnTo>
-                <a:lnTo>
-                  <a:pt x="8830" y="10367"/>
-                </a:lnTo>
-                <a:lnTo>
-                  <a:pt x="8880" y="10369"/>
-                </a:lnTo>
-                <a:lnTo>
-                  <a:pt x="8974" y="10387"/>
-                </a:lnTo>
-                <a:lnTo>
-                  <a:pt x="9058" y="10425"/>
-                </a:lnTo>
-                <a:lnTo>
-                  <a:pt x="9136" y="10477"/>
-                </a:lnTo>
-                <a:lnTo>
-                  <a:pt x="9201" y="10541"/>
-                </a:lnTo>
-                <a:lnTo>
-                  <a:pt x="9253" y="10618"/>
-                </a:lnTo>
-                <a:lnTo>
-                  <a:pt x="9289" y="10704"/>
-                </a:lnTo>
-                <a:lnTo>
-                  <a:pt x="9308" y="10798"/>
-                </a:lnTo>
-                <a:lnTo>
-                  <a:pt x="9310" y="10847"/>
-                </a:lnTo>
-                <a:lnTo>
-                  <a:pt x="9309" y="10920"/>
-                </a:lnTo>
-                <a:lnTo>
-                  <a:pt x="9295" y="11063"/>
-                </a:lnTo>
-                <a:lnTo>
-                  <a:pt x="9267" y="11202"/>
-                </a:lnTo>
-                <a:lnTo>
-                  <a:pt x="9227" y="11336"/>
-                </a:lnTo>
-                <a:lnTo>
-                  <a:pt x="9174" y="11466"/>
-                </a:lnTo>
-                <a:lnTo>
-                  <a:pt x="9107" y="11588"/>
-                </a:lnTo>
-                <a:lnTo>
-                  <a:pt x="9030" y="11705"/>
-                </a:lnTo>
-                <a:lnTo>
-                  <a:pt x="8939" y="11814"/>
-                </a:lnTo>
-                <a:lnTo>
-                  <a:pt x="8890" y="11865"/>
-                </a:lnTo>
-                <a:lnTo>
-                  <a:pt x="8837" y="11915"/>
-                </a:lnTo>
-                <a:lnTo>
-                  <a:pt x="8724" y="12006"/>
-                </a:lnTo>
-                <a:lnTo>
-                  <a:pt x="8602" y="12085"/>
-                </a:lnTo>
-                <a:lnTo>
-                  <a:pt x="8474" y="12151"/>
-                </a:lnTo>
-                <a:lnTo>
-                  <a:pt x="8340" y="12206"/>
-                </a:lnTo>
-                <a:lnTo>
-                  <a:pt x="8200" y="12246"/>
-                </a:lnTo>
-                <a:lnTo>
-                  <a:pt x="8058" y="12273"/>
-                </a:lnTo>
-                <a:lnTo>
-                  <a:pt x="7913" y="12286"/>
-                </a:lnTo>
-                <a:lnTo>
-                  <a:pt x="7841" y="12286"/>
-                </a:lnTo>
-                <a:lnTo>
-                  <a:pt x="7767" y="12285"/>
-                </a:lnTo>
-                <a:lnTo>
-                  <a:pt x="7626" y="12269"/>
-                </a:lnTo>
-                <a:lnTo>
-                  <a:pt x="7489" y="12242"/>
-                </a:lnTo>
-                <a:lnTo>
-                  <a:pt x="7358" y="12200"/>
-                </a:lnTo>
-                <a:lnTo>
-                  <a:pt x="7232" y="12147"/>
-                </a:lnTo>
-                <a:lnTo>
-                  <a:pt x="7111" y="12079"/>
-                </a:lnTo>
-                <a:lnTo>
-                  <a:pt x="6997" y="12001"/>
-                </a:lnTo>
-                <a:lnTo>
-                  <a:pt x="6889" y="11911"/>
-                </a:lnTo>
-                <a:lnTo>
-                  <a:pt x="6839" y="11859"/>
-                </a:lnTo>
-                <a:lnTo>
-                  <a:pt x="4655" y="9615"/>
-                </a:lnTo>
-                <a:lnTo>
-                  <a:pt x="2472" y="11859"/>
-                </a:lnTo>
-                <a:lnTo>
-                  <a:pt x="2422" y="11909"/>
-                </a:lnTo>
-                <a:lnTo>
-                  <a:pt x="2315" y="12000"/>
-                </a:lnTo>
-                <a:lnTo>
-                  <a:pt x="2201" y="12079"/>
-                </a:lnTo>
-                <a:lnTo>
-                  <a:pt x="2080" y="12145"/>
-                </a:lnTo>
-                <a:lnTo>
-                  <a:pt x="1955" y="12199"/>
-                </a:lnTo>
-                <a:lnTo>
-                  <a:pt x="1823" y="12240"/>
-                </a:lnTo>
-                <a:lnTo>
-                  <a:pt x="1686" y="12269"/>
-                </a:lnTo>
-                <a:lnTo>
-                  <a:pt x="1545" y="12285"/>
-                </a:lnTo>
-                <a:lnTo>
-                  <a:pt x="1473" y="12286"/>
-                </a:lnTo>
-                <a:lnTo>
-                  <a:pt x="1460" y="12286"/>
-                </a:lnTo>
-                <a:lnTo>
-                  <a:pt x="1447" y="12286"/>
-                </a:lnTo>
-                <a:close/>
-              </a:path>
-            </a:pathLst>
-          </a:custGeom>
-          <a:solidFill>
-            <a:srgbClr val="FFC000"/>
-          </a:solidFill>
-          <a:ln>
-            <a:noFill/>
-          </a:ln>
-        </p:spPr>
-        <p:txBody>
-          <a:bodyPr vert="horz" wrap="square" lIns="91440" tIns="45720" rIns="91440" bIns="45720" numCol="1" anchor="t" anchorCtr="0" compatLnSpc="1">
-            <a:prstTxWarp prst="textNoShape">
-              <a:avLst/>
-            </a:prstTxWarp>
-          </a:bodyPr>
-          <a:lstStyle/>
-          <a:p>
-            <a:endParaRPr lang="ko-KR" altLang="en-US">
-              <a:solidFill>
-                <a:prstClr val="black"/>
-              </a:solidFill>
-            </a:endParaRPr>
-          </a:p>
-        </p:txBody>
-      </p:sp>
-      <p:pic>
-        <p:nvPicPr>
-          <p:cNvPr id="1026" name="Picture 2" descr="나의일기 :: 유리 깨지는 꿈 알아보기"/>
-          <p:cNvPicPr>
-            <a:picLocks noChangeAspect="1" noChangeArrowheads="1"/>
-          </p:cNvPicPr>
-          <p:nvPr/>
-        </p:nvPicPr>
-        <p:blipFill>
-          <a:blip r:embed="rId2">
-            <a:extLst>
-              <a:ext uri="{28A0092B-C50C-407E-A947-70E740481C1C}">
-                <a14:useLocalDpi xmlns:a14="http://schemas.microsoft.com/office/drawing/2010/main" val="0"/>
-              </a:ext>
-            </a:extLst>
-          </a:blip>
-          <a:srcRect/>
-          <a:stretch>
-            <a:fillRect/>
-          </a:stretch>
-        </p:blipFill>
-        <p:spPr bwMode="auto">
-          <a:xfrm>
-            <a:off x="703534" y="2303308"/>
-            <a:ext cx="5524500" cy="3695701"/>
-          </a:xfrm>
-          <a:prstGeom prst="rect">
-            <a:avLst/>
-          </a:prstGeom>
-          <a:noFill/>
-          <a:extLst>
-            <a:ext uri="{909E8E84-426E-40DD-AFC4-6F175D3DCCD1}">
-              <a14:hiddenFill xmlns:a14="http://schemas.microsoft.com/office/drawing/2010/main">
-                <a:solidFill>
-                  <a:srgbClr val="FFFFFF"/>
-                </a:solidFill>
-              </a14:hiddenFill>
-            </a:ext>
-          </a:extLst>
-        </p:spPr>
-      </p:pic>
-    </p:spTree>
-    <p:extLst>
-      <p:ext uri="{BB962C8B-B14F-4D97-AF65-F5344CB8AC3E}">
-        <p14:creationId xmlns:p14="http://schemas.microsoft.com/office/powerpoint/2010/main" val="311901087"/>
-      </p:ext>
-    </p:extLst>
-  </p:cSld>
-  <p:clrMapOvr>
-    <a:masterClrMapping/>
-  </p:clrMapOvr>
+  <p:timing>
+    <p:tnLst>
+      <p:par>
+        <p:cTn id="1" dur="indefinite" restart="never" nodeType="tmRoot"/>
+      </p:par>
+    </p:tnLst>
+  </p:timing>
 </p:sld>
 </file>
 
@@ -26132,7 +24912,7 @@
   <a:extraClrSchemeLst/>
   <a:extLst>
     <a:ext uri="{05A4C25C-085E-4340-85A3-A5531E510DB2}">
-      <thm15:themeFamily xmlns="" xmlns:thm15="http://schemas.microsoft.com/office/thememl/2012/main" name="Office Theme" id="{62F939B6-93AF-4DB8-9C6B-D6C7DFDC589F}" vid="{4A3C46E8-61CC-4603-A589-7422A47A8E4A}"/>
+      <thm15:themeFamily xmlns:thm15="http://schemas.microsoft.com/office/thememl/2012/main" xmlns="" name="Office Theme" id="{62F939B6-93AF-4DB8-9C6B-D6C7DFDC589F}" vid="{4A3C46E8-61CC-4603-A589-7422A47A8E4A}"/>
     </a:ext>
   </a:extLst>
 </a:theme>
@@ -26427,7 +25207,7 @@
   <a:extraClrSchemeLst/>
   <a:extLst>
     <a:ext uri="{05A4C25C-085E-4340-85A3-A5531E510DB2}">
-      <thm15:themeFamily xmlns="" xmlns:thm15="http://schemas.microsoft.com/office/thememl/2012/main" name="Office Theme" id="{62F939B6-93AF-4DB8-9C6B-D6C7DFDC589F}" vid="{4A3C46E8-61CC-4603-A589-7422A47A8E4A}"/>
+      <thm15:themeFamily xmlns:thm15="http://schemas.microsoft.com/office/thememl/2012/main" xmlns="" name="Office Theme" id="{62F939B6-93AF-4DB8-9C6B-D6C7DFDC589F}" vid="{4A3C46E8-61CC-4603-A589-7422A47A8E4A}"/>
     </a:ext>
   </a:extLst>
 </a:theme>
